--- a/present-docs/project-presentation.pptx
+++ b/present-docs/project-presentation.pptx
@@ -9,12 +9,13 @@
     <p:sldId id="258" r:id="rId3"/>
     <p:sldId id="264" r:id="rId4"/>
     <p:sldId id="259" r:id="rId5"/>
-    <p:sldId id="257" r:id="rId6"/>
-    <p:sldId id="265" r:id="rId7"/>
-    <p:sldId id="261" r:id="rId8"/>
-    <p:sldId id="262" r:id="rId9"/>
-    <p:sldId id="263" r:id="rId10"/>
-    <p:sldId id="260" r:id="rId11"/>
+    <p:sldId id="266" r:id="rId6"/>
+    <p:sldId id="257" r:id="rId7"/>
+    <p:sldId id="265" r:id="rId8"/>
+    <p:sldId id="261" r:id="rId9"/>
+    <p:sldId id="262" r:id="rId10"/>
+    <p:sldId id="263" r:id="rId11"/>
+    <p:sldId id="260" r:id="rId12"/>
   </p:sldIdLst>
   <p:sldSz cx="12192000" cy="6858000"/>
   <p:notesSz cx="6858000" cy="9144000"/>
@@ -113,6 +114,11 @@
       </a:defRPr>
     </a:lvl9pPr>
   </p:defaultTextStyle>
+  <p:extLst>
+    <p:ext uri="{EFAFB233-063F-42B5-8137-9DF3F51BA10A}">
+      <p15:sldGuideLst xmlns:p15="http://schemas.microsoft.com/office/powerpoint/2012/main"/>
+    </p:ext>
+  </p:extLst>
 </p:presentation>
 </file>
 
@@ -3069,6 +3075,85 @@
           <a:p>
             <a:r>
               <a:rPr lang="en-US" dirty="0" smtClean="0"/>
+              <a:t>Website function: contact list</a:t>
+            </a:r>
+            <a:endParaRPr lang="en-US" dirty="0"/>
+          </a:p>
+        </p:txBody>
+      </p:sp>
+      <p:sp>
+        <p:nvSpPr>
+          <p:cNvPr id="3" name="Content Placeholder 2"/>
+          <p:cNvSpPr>
+            <a:spLocks noGrp="1"/>
+          </p:cNvSpPr>
+          <p:nvPr>
+            <p:ph idx="1"/>
+          </p:nvPr>
+        </p:nvSpPr>
+        <p:spPr/>
+        <p:txBody>
+          <a:bodyPr/>
+          <a:lstStyle/>
+          <a:p>
+            <a:endParaRPr lang="en-US" dirty="0"/>
+          </a:p>
+        </p:txBody>
+      </p:sp>
+    </p:spTree>
+    <p:extLst>
+      <p:ext uri="{BB962C8B-B14F-4D97-AF65-F5344CB8AC3E}">
+        <p14:creationId xmlns:p14="http://schemas.microsoft.com/office/powerpoint/2010/main" val="3257646881"/>
+      </p:ext>
+    </p:extLst>
+  </p:cSld>
+  <p:clrMapOvr>
+    <a:masterClrMapping/>
+  </p:clrMapOvr>
+  <p:timing>
+    <p:tnLst>
+      <p:par>
+        <p:cTn id="1" dur="indefinite" restart="never" nodeType="tmRoot"/>
+      </p:par>
+    </p:tnLst>
+  </p:timing>
+</p:sld>
+</file>
+
+<file path=ppt/slides/slide11.xml><?xml version="1.0" encoding="utf-8"?>
+<p:sld xmlns:a="http://schemas.openxmlformats.org/drawingml/2006/main" xmlns:r="http://schemas.openxmlformats.org/officeDocument/2006/relationships" xmlns:p="http://schemas.openxmlformats.org/presentationml/2006/main">
+  <p:cSld>
+    <p:spTree>
+      <p:nvGrpSpPr>
+        <p:cNvPr id="1" name=""/>
+        <p:cNvGrpSpPr/>
+        <p:nvPr/>
+      </p:nvGrpSpPr>
+      <p:grpSpPr>
+        <a:xfrm>
+          <a:off x="0" y="0"/>
+          <a:ext cx="0" cy="0"/>
+          <a:chOff x="0" y="0"/>
+          <a:chExt cx="0" cy="0"/>
+        </a:xfrm>
+      </p:grpSpPr>
+      <p:sp>
+        <p:nvSpPr>
+          <p:cNvPr id="2" name="Title 1"/>
+          <p:cNvSpPr>
+            <a:spLocks noGrp="1"/>
+          </p:cNvSpPr>
+          <p:nvPr>
+            <p:ph type="title"/>
+          </p:nvPr>
+        </p:nvSpPr>
+        <p:spPr/>
+        <p:txBody>
+          <a:bodyPr/>
+          <a:lstStyle/>
+          <a:p>
+            <a:r>
+              <a:rPr lang="en-US" dirty="0" smtClean="0"/>
               <a:t>UML</a:t>
             </a:r>
             <a:endParaRPr lang="en-US" dirty="0"/>
@@ -3566,9 +3651,12 @@
           <a:p>
             <a:r>
               <a:rPr lang="en-US" dirty="0" smtClean="0"/>
-              <a:t>All about responsive</a:t>
-            </a:r>
-            <a:endParaRPr lang="en-US" dirty="0"/>
+              <a:t>Why not bootstrap </a:t>
+            </a:r>
+            <a:r>
+              <a:rPr lang="en-US" dirty="0"/>
+              <a:t>/ Tailwind</a:t>
+            </a:r>
           </a:p>
         </p:txBody>
       </p:sp>
@@ -3587,27 +3675,20 @@
           <a:bodyPr/>
           <a:lstStyle/>
           <a:p>
-            <a:endParaRPr lang="en-US" dirty="0"/>
+            <a:endParaRPr lang="en-US"/>
           </a:p>
         </p:txBody>
       </p:sp>
     </p:spTree>
     <p:extLst>
       <p:ext uri="{BB962C8B-B14F-4D97-AF65-F5344CB8AC3E}">
-        <p14:creationId xmlns:p14="http://schemas.microsoft.com/office/powerpoint/2010/main" val="1268129847"/>
+        <p14:creationId xmlns:p14="http://schemas.microsoft.com/office/powerpoint/2010/main" val="3483171565"/>
       </p:ext>
     </p:extLst>
   </p:cSld>
   <p:clrMapOvr>
     <a:masterClrMapping/>
   </p:clrMapOvr>
-  <p:timing>
-    <p:tnLst>
-      <p:par>
-        <p:cTn id="1" dur="indefinite" restart="never" nodeType="tmRoot"/>
-      </p:par>
-    </p:tnLst>
-  </p:timing>
 </p:sld>
 </file>
 
@@ -3644,12 +3725,8 @@
           <a:lstStyle/>
           <a:p>
             <a:r>
-              <a:rPr lang="en-US" dirty="0" err="1" smtClean="0"/>
-              <a:t>Nav</a:t>
-            </a:r>
-            <a:r>
               <a:rPr lang="en-US" dirty="0" smtClean="0"/>
-              <a:t> bar</a:t>
+              <a:t>All about responsive</a:t>
             </a:r>
             <a:endParaRPr lang="en-US" dirty="0"/>
           </a:p>
@@ -3670,14 +3747,14 @@
           <a:bodyPr/>
           <a:lstStyle/>
           <a:p>
-            <a:endParaRPr lang="en-US"/>
+            <a:endParaRPr lang="en-US" dirty="0"/>
           </a:p>
         </p:txBody>
       </p:sp>
     </p:spTree>
     <p:extLst>
       <p:ext uri="{BB962C8B-B14F-4D97-AF65-F5344CB8AC3E}">
-        <p14:creationId xmlns:p14="http://schemas.microsoft.com/office/powerpoint/2010/main" val="2487633742"/>
+        <p14:creationId xmlns:p14="http://schemas.microsoft.com/office/powerpoint/2010/main" val="1268129847"/>
       </p:ext>
     </p:extLst>
   </p:cSld>
@@ -3727,8 +3804,12 @@
           <a:lstStyle/>
           <a:p>
             <a:r>
+              <a:rPr lang="en-US" dirty="0" err="1" smtClean="0"/>
+              <a:t>Nav</a:t>
+            </a:r>
+            <a:r>
               <a:rPr lang="en-US" dirty="0" smtClean="0"/>
-              <a:t>Website function: apps</a:t>
+              <a:t> bar</a:t>
             </a:r>
             <a:endParaRPr lang="en-US" dirty="0"/>
           </a:p>
@@ -3756,7 +3837,7 @@
     </p:spTree>
     <p:extLst>
       <p:ext uri="{BB962C8B-B14F-4D97-AF65-F5344CB8AC3E}">
-        <p14:creationId xmlns:p14="http://schemas.microsoft.com/office/powerpoint/2010/main" val="3572579730"/>
+        <p14:creationId xmlns:p14="http://schemas.microsoft.com/office/powerpoint/2010/main" val="2487633742"/>
       </p:ext>
     </p:extLst>
   </p:cSld>
@@ -3807,15 +3888,7 @@
           <a:p>
             <a:r>
               <a:rPr lang="en-US" dirty="0" smtClean="0"/>
-              <a:t>Website function: </a:t>
-            </a:r>
-            <a:r>
-              <a:rPr lang="en-US" dirty="0" err="1" smtClean="0"/>
-              <a:t>shpopping</a:t>
-            </a:r>
-            <a:r>
-              <a:rPr lang="en-US" dirty="0" smtClean="0"/>
-              <a:t> / product</a:t>
+              <a:t>Website function: apps</a:t>
             </a:r>
             <a:endParaRPr lang="en-US" dirty="0"/>
           </a:p>
@@ -3836,14 +3909,14 @@
           <a:bodyPr/>
           <a:lstStyle/>
           <a:p>
-            <a:endParaRPr lang="en-US" dirty="0"/>
+            <a:endParaRPr lang="en-US"/>
           </a:p>
         </p:txBody>
       </p:sp>
     </p:spTree>
     <p:extLst>
       <p:ext uri="{BB962C8B-B14F-4D97-AF65-F5344CB8AC3E}">
-        <p14:creationId xmlns:p14="http://schemas.microsoft.com/office/powerpoint/2010/main" val="1016140002"/>
+        <p14:creationId xmlns:p14="http://schemas.microsoft.com/office/powerpoint/2010/main" val="3572579730"/>
       </p:ext>
     </p:extLst>
   </p:cSld>
@@ -3894,7 +3967,15 @@
           <a:p>
             <a:r>
               <a:rPr lang="en-US" dirty="0" smtClean="0"/>
-              <a:t>Website function: contact list</a:t>
+              <a:t>Website function: </a:t>
+            </a:r>
+            <a:r>
+              <a:rPr lang="en-US" dirty="0" err="1" smtClean="0"/>
+              <a:t>shpopping</a:t>
+            </a:r>
+            <a:r>
+              <a:rPr lang="en-US" dirty="0" smtClean="0"/>
+              <a:t> / product</a:t>
             </a:r>
             <a:endParaRPr lang="en-US" dirty="0"/>
           </a:p>
@@ -3922,7 +4003,7 @@
     </p:spTree>
     <p:extLst>
       <p:ext uri="{BB962C8B-B14F-4D97-AF65-F5344CB8AC3E}">
-        <p14:creationId xmlns:p14="http://schemas.microsoft.com/office/powerpoint/2010/main" val="3257646881"/>
+        <p14:creationId xmlns:p14="http://schemas.microsoft.com/office/powerpoint/2010/main" val="1016140002"/>
       </p:ext>
     </p:extLst>
   </p:cSld>

--- a/present-docs/project-presentation.pptx
+++ b/present-docs/project-presentation.pptx
@@ -9,13 +9,14 @@
     <p:sldId id="258" r:id="rId3"/>
     <p:sldId id="264" r:id="rId4"/>
     <p:sldId id="259" r:id="rId5"/>
-    <p:sldId id="266" r:id="rId6"/>
-    <p:sldId id="257" r:id="rId7"/>
-    <p:sldId id="265" r:id="rId8"/>
-    <p:sldId id="261" r:id="rId9"/>
-    <p:sldId id="262" r:id="rId10"/>
-    <p:sldId id="263" r:id="rId11"/>
-    <p:sldId id="260" r:id="rId12"/>
+    <p:sldId id="267" r:id="rId6"/>
+    <p:sldId id="266" r:id="rId7"/>
+    <p:sldId id="257" r:id="rId8"/>
+    <p:sldId id="265" r:id="rId9"/>
+    <p:sldId id="261" r:id="rId10"/>
+    <p:sldId id="262" r:id="rId11"/>
+    <p:sldId id="263" r:id="rId12"/>
+    <p:sldId id="260" r:id="rId13"/>
   </p:sldIdLst>
   <p:sldSz cx="12192000" cy="6858000"/>
   <p:notesSz cx="6858000" cy="9144000"/>
@@ -253,7 +254,7 @@
           <a:p>
             <a:fld id="{B695AB57-42F9-4B5A-864A-03C8CA662476}" type="datetimeFigureOut">
               <a:rPr lang="en-US" smtClean="0"/>
-              <a:t>5/23/2023</a:t>
+              <a:t>5/29/2023</a:t>
             </a:fld>
             <a:endParaRPr lang="en-US"/>
           </a:p>
@@ -423,7 +424,7 @@
           <a:p>
             <a:fld id="{B695AB57-42F9-4B5A-864A-03C8CA662476}" type="datetimeFigureOut">
               <a:rPr lang="en-US" smtClean="0"/>
-              <a:t>5/23/2023</a:t>
+              <a:t>5/29/2023</a:t>
             </a:fld>
             <a:endParaRPr lang="en-US"/>
           </a:p>
@@ -603,7 +604,7 @@
           <a:p>
             <a:fld id="{B695AB57-42F9-4B5A-864A-03C8CA662476}" type="datetimeFigureOut">
               <a:rPr lang="en-US" smtClean="0"/>
-              <a:t>5/23/2023</a:t>
+              <a:t>5/29/2023</a:t>
             </a:fld>
             <a:endParaRPr lang="en-US"/>
           </a:p>
@@ -773,7 +774,7 @@
           <a:p>
             <a:fld id="{B695AB57-42F9-4B5A-864A-03C8CA662476}" type="datetimeFigureOut">
               <a:rPr lang="en-US" smtClean="0"/>
-              <a:t>5/23/2023</a:t>
+              <a:t>5/29/2023</a:t>
             </a:fld>
             <a:endParaRPr lang="en-US"/>
           </a:p>
@@ -1019,7 +1020,7 @@
           <a:p>
             <a:fld id="{B695AB57-42F9-4B5A-864A-03C8CA662476}" type="datetimeFigureOut">
               <a:rPr lang="en-US" smtClean="0"/>
-              <a:t>5/23/2023</a:t>
+              <a:t>5/29/2023</a:t>
             </a:fld>
             <a:endParaRPr lang="en-US"/>
           </a:p>
@@ -1251,7 +1252,7 @@
           <a:p>
             <a:fld id="{B695AB57-42F9-4B5A-864A-03C8CA662476}" type="datetimeFigureOut">
               <a:rPr lang="en-US" smtClean="0"/>
-              <a:t>5/23/2023</a:t>
+              <a:t>5/29/2023</a:t>
             </a:fld>
             <a:endParaRPr lang="en-US"/>
           </a:p>
@@ -1618,7 +1619,7 @@
           <a:p>
             <a:fld id="{B695AB57-42F9-4B5A-864A-03C8CA662476}" type="datetimeFigureOut">
               <a:rPr lang="en-US" smtClean="0"/>
-              <a:t>5/23/2023</a:t>
+              <a:t>5/29/2023</a:t>
             </a:fld>
             <a:endParaRPr lang="en-US"/>
           </a:p>
@@ -1736,7 +1737,7 @@
           <a:p>
             <a:fld id="{B695AB57-42F9-4B5A-864A-03C8CA662476}" type="datetimeFigureOut">
               <a:rPr lang="en-US" smtClean="0"/>
-              <a:t>5/23/2023</a:t>
+              <a:t>5/29/2023</a:t>
             </a:fld>
             <a:endParaRPr lang="en-US"/>
           </a:p>
@@ -1831,7 +1832,7 @@
           <a:p>
             <a:fld id="{B695AB57-42F9-4B5A-864A-03C8CA662476}" type="datetimeFigureOut">
               <a:rPr lang="en-US" smtClean="0"/>
-              <a:t>5/23/2023</a:t>
+              <a:t>5/29/2023</a:t>
             </a:fld>
             <a:endParaRPr lang="en-US"/>
           </a:p>
@@ -2108,7 +2109,7 @@
           <a:p>
             <a:fld id="{B695AB57-42F9-4B5A-864A-03C8CA662476}" type="datetimeFigureOut">
               <a:rPr lang="en-US" smtClean="0"/>
-              <a:t>5/23/2023</a:t>
+              <a:t>5/29/2023</a:t>
             </a:fld>
             <a:endParaRPr lang="en-US"/>
           </a:p>
@@ -2361,7 +2362,7 @@
           <a:p>
             <a:fld id="{B695AB57-42F9-4B5A-864A-03C8CA662476}" type="datetimeFigureOut">
               <a:rPr lang="en-US" smtClean="0"/>
-              <a:t>5/23/2023</a:t>
+              <a:t>5/29/2023</a:t>
             </a:fld>
             <a:endParaRPr lang="en-US"/>
           </a:p>
@@ -2574,7 +2575,7 @@
           <a:p>
             <a:fld id="{B695AB57-42F9-4B5A-864A-03C8CA662476}" type="datetimeFigureOut">
               <a:rPr lang="en-US" smtClean="0"/>
-              <a:t>5/23/2023</a:t>
+              <a:t>5/29/2023</a:t>
             </a:fld>
             <a:endParaRPr lang="en-US"/>
           </a:p>
@@ -3075,35 +3076,164 @@
           <a:p>
             <a:r>
               <a:rPr lang="en-US" dirty="0" smtClean="0"/>
-              <a:t>Website function: contact list</a:t>
+              <a:t>Website function: </a:t>
+            </a:r>
+            <a:r>
+              <a:rPr lang="en-US" dirty="0" err="1" smtClean="0"/>
+              <a:t>shpopping</a:t>
+            </a:r>
+            <a:r>
+              <a:rPr lang="en-US" dirty="0" smtClean="0"/>
+              <a:t> / product</a:t>
             </a:r>
             <a:endParaRPr lang="en-US" dirty="0"/>
           </a:p>
         </p:txBody>
       </p:sp>
-      <p:sp>
-        <p:nvSpPr>
-          <p:cNvPr id="3" name="Content Placeholder 2"/>
-          <p:cNvSpPr>
-            <a:spLocks noGrp="1"/>
-          </p:cNvSpPr>
+      <p:pic>
+        <p:nvPicPr>
+          <p:cNvPr id="7" name="Content Placeholder 6"/>
+          <p:cNvPicPr>
+            <a:picLocks noGrp="1" noChangeAspect="1"/>
+          </p:cNvPicPr>
           <p:nvPr>
             <p:ph idx="1"/>
           </p:nvPr>
-        </p:nvSpPr>
-        <p:spPr/>
-        <p:txBody>
-          <a:bodyPr/>
-          <a:lstStyle/>
-          <a:p>
-            <a:endParaRPr lang="en-US" dirty="0"/>
-          </a:p>
-        </p:txBody>
-      </p:sp>
+        </p:nvPicPr>
+        <p:blipFill>
+          <a:blip r:embed="rId2"/>
+          <a:stretch>
+            <a:fillRect/>
+          </a:stretch>
+        </p:blipFill>
+        <p:spPr>
+          <a:xfrm>
+            <a:off x="5885855" y="4125718"/>
+            <a:ext cx="4248743" cy="1228896"/>
+          </a:xfrm>
+          <a:prstGeom prst="rect">
+            <a:avLst/>
+          </a:prstGeom>
+        </p:spPr>
+      </p:pic>
+      <p:pic>
+        <p:nvPicPr>
+          <p:cNvPr id="4" name="Picture 3"/>
+          <p:cNvPicPr>
+            <a:picLocks noChangeAspect="1"/>
+          </p:cNvPicPr>
+          <p:nvPr/>
+        </p:nvPicPr>
+        <p:blipFill>
+          <a:blip r:embed="rId3"/>
+          <a:stretch>
+            <a:fillRect/>
+          </a:stretch>
+        </p:blipFill>
+        <p:spPr>
+          <a:xfrm>
+            <a:off x="838200" y="1892195"/>
+            <a:ext cx="2962688" cy="4239217"/>
+          </a:xfrm>
+          <a:prstGeom prst="rect">
+            <a:avLst/>
+          </a:prstGeom>
+        </p:spPr>
+      </p:pic>
+      <p:cxnSp>
+        <p:nvCxnSpPr>
+          <p:cNvPr id="6" name="Straight Arrow Connector 5"/>
+          <p:cNvCxnSpPr/>
+          <p:nvPr/>
+        </p:nvCxnSpPr>
+        <p:spPr>
+          <a:xfrm flipH="1">
+            <a:off x="3132083" y="4908331"/>
+            <a:ext cx="588579" cy="525518"/>
+          </a:xfrm>
+          <a:prstGeom prst="straightConnector1">
+            <a:avLst/>
+          </a:prstGeom>
+          <a:ln w="76200">
+            <a:tailEnd type="triangle"/>
+          </a:ln>
+        </p:spPr>
+        <p:style>
+          <a:lnRef idx="1">
+            <a:schemeClr val="accent1"/>
+          </a:lnRef>
+          <a:fillRef idx="0">
+            <a:schemeClr val="accent1"/>
+          </a:fillRef>
+          <a:effectRef idx="0">
+            <a:schemeClr val="accent1"/>
+          </a:effectRef>
+          <a:fontRef idx="minor">
+            <a:schemeClr val="tx1"/>
+          </a:fontRef>
+        </p:style>
+      </p:cxnSp>
+      <p:pic>
+        <p:nvPicPr>
+          <p:cNvPr id="8" name="Picture 7"/>
+          <p:cNvPicPr>
+            <a:picLocks noChangeAspect="1"/>
+          </p:cNvPicPr>
+          <p:nvPr/>
+        </p:nvPicPr>
+        <p:blipFill>
+          <a:blip r:embed="rId4"/>
+          <a:stretch>
+            <a:fillRect/>
+          </a:stretch>
+        </p:blipFill>
+        <p:spPr>
+          <a:xfrm>
+            <a:off x="4157221" y="2130835"/>
+            <a:ext cx="7706012" cy="725487"/>
+          </a:xfrm>
+          <a:prstGeom prst="rect">
+            <a:avLst/>
+          </a:prstGeom>
+        </p:spPr>
+      </p:pic>
+      <p:cxnSp>
+        <p:nvCxnSpPr>
+          <p:cNvPr id="10" name="Straight Arrow Connector 9"/>
+          <p:cNvCxnSpPr/>
+          <p:nvPr/>
+        </p:nvCxnSpPr>
+        <p:spPr>
+          <a:xfrm>
+            <a:off x="9080938" y="2291255"/>
+            <a:ext cx="651641" cy="202323"/>
+          </a:xfrm>
+          <a:prstGeom prst="straightConnector1">
+            <a:avLst/>
+          </a:prstGeom>
+          <a:ln w="76200">
+            <a:tailEnd type="triangle"/>
+          </a:ln>
+        </p:spPr>
+        <p:style>
+          <a:lnRef idx="1">
+            <a:schemeClr val="accent1"/>
+          </a:lnRef>
+          <a:fillRef idx="0">
+            <a:schemeClr val="accent1"/>
+          </a:fillRef>
+          <a:effectRef idx="0">
+            <a:schemeClr val="accent1"/>
+          </a:effectRef>
+          <a:fontRef idx="minor">
+            <a:schemeClr val="tx1"/>
+          </a:fontRef>
+        </p:style>
+      </p:cxnSp>
     </p:spTree>
     <p:extLst>
       <p:ext uri="{BB962C8B-B14F-4D97-AF65-F5344CB8AC3E}">
-        <p14:creationId xmlns:p14="http://schemas.microsoft.com/office/powerpoint/2010/main" val="3257646881"/>
+        <p14:creationId xmlns:p14="http://schemas.microsoft.com/office/powerpoint/2010/main" val="1016140002"/>
       </p:ext>
     </p:extLst>
   </p:cSld>
@@ -3154,6 +3284,109 @@
           <a:p>
             <a:r>
               <a:rPr lang="en-US" dirty="0" smtClean="0"/>
+              <a:t>Website function: contact list</a:t>
+            </a:r>
+            <a:endParaRPr lang="en-US" dirty="0"/>
+          </a:p>
+        </p:txBody>
+      </p:sp>
+      <p:sp>
+        <p:nvSpPr>
+          <p:cNvPr id="3" name="Content Placeholder 2"/>
+          <p:cNvSpPr>
+            <a:spLocks noGrp="1"/>
+          </p:cNvSpPr>
+          <p:nvPr>
+            <p:ph idx="1"/>
+          </p:nvPr>
+        </p:nvSpPr>
+        <p:spPr/>
+        <p:txBody>
+          <a:bodyPr/>
+          <a:lstStyle/>
+          <a:p>
+            <a:endParaRPr lang="en-US" dirty="0"/>
+          </a:p>
+        </p:txBody>
+      </p:sp>
+      <p:pic>
+        <p:nvPicPr>
+          <p:cNvPr id="4" name="Picture 3"/>
+          <p:cNvPicPr>
+            <a:picLocks noChangeAspect="1"/>
+          </p:cNvPicPr>
+          <p:nvPr/>
+        </p:nvPicPr>
+        <p:blipFill>
+          <a:blip r:embed="rId2"/>
+          <a:stretch>
+            <a:fillRect/>
+          </a:stretch>
+        </p:blipFill>
+        <p:spPr>
+          <a:xfrm>
+            <a:off x="3300759" y="1401210"/>
+            <a:ext cx="5927324" cy="5456790"/>
+          </a:xfrm>
+          <a:prstGeom prst="rect">
+            <a:avLst/>
+          </a:prstGeom>
+        </p:spPr>
+      </p:pic>
+    </p:spTree>
+    <p:extLst>
+      <p:ext uri="{BB962C8B-B14F-4D97-AF65-F5344CB8AC3E}">
+        <p14:creationId xmlns:p14="http://schemas.microsoft.com/office/powerpoint/2010/main" val="3257646881"/>
+      </p:ext>
+    </p:extLst>
+  </p:cSld>
+  <p:clrMapOvr>
+    <a:masterClrMapping/>
+  </p:clrMapOvr>
+  <p:timing>
+    <p:tnLst>
+      <p:par>
+        <p:cTn id="1" dur="indefinite" restart="never" nodeType="tmRoot"/>
+      </p:par>
+    </p:tnLst>
+  </p:timing>
+</p:sld>
+</file>
+
+<file path=ppt/slides/slide12.xml><?xml version="1.0" encoding="utf-8"?>
+<p:sld xmlns:a="http://schemas.openxmlformats.org/drawingml/2006/main" xmlns:r="http://schemas.openxmlformats.org/officeDocument/2006/relationships" xmlns:p="http://schemas.openxmlformats.org/presentationml/2006/main">
+  <p:cSld>
+    <p:spTree>
+      <p:nvGrpSpPr>
+        <p:cNvPr id="1" name=""/>
+        <p:cNvGrpSpPr/>
+        <p:nvPr/>
+      </p:nvGrpSpPr>
+      <p:grpSpPr>
+        <a:xfrm>
+          <a:off x="0" y="0"/>
+          <a:ext cx="0" cy="0"/>
+          <a:chOff x="0" y="0"/>
+          <a:chExt cx="0" cy="0"/>
+        </a:xfrm>
+      </p:grpSpPr>
+      <p:sp>
+        <p:nvSpPr>
+          <p:cNvPr id="2" name="Title 1"/>
+          <p:cNvSpPr>
+            <a:spLocks noGrp="1"/>
+          </p:cNvSpPr>
+          <p:nvPr>
+            <p:ph type="title"/>
+          </p:nvPr>
+        </p:nvSpPr>
+        <p:spPr/>
+        <p:txBody>
+          <a:bodyPr/>
+          <a:lstStyle/>
+          <a:p>
+            <a:r>
+              <a:rPr lang="en-US" dirty="0" smtClean="0"/>
               <a:t>UML</a:t>
             </a:r>
             <a:endParaRPr lang="en-US" dirty="0"/>
@@ -3175,10 +3408,34 @@
           <a:bodyPr/>
           <a:lstStyle/>
           <a:p>
-            <a:endParaRPr lang="en-US"/>
-          </a:p>
-        </p:txBody>
-      </p:sp>
+            <a:endParaRPr lang="en-US" dirty="0"/>
+          </a:p>
+        </p:txBody>
+      </p:sp>
+      <p:pic>
+        <p:nvPicPr>
+          <p:cNvPr id="4" name="Picture 3"/>
+          <p:cNvPicPr>
+            <a:picLocks noChangeAspect="1"/>
+          </p:cNvPicPr>
+          <p:nvPr/>
+        </p:nvPicPr>
+        <p:blipFill>
+          <a:blip r:embed="rId2"/>
+          <a:stretch>
+            <a:fillRect/>
+          </a:stretch>
+        </p:blipFill>
+        <p:spPr>
+          <a:xfrm>
+            <a:off x="2382778" y="0"/>
+            <a:ext cx="7426444" cy="6858000"/>
+          </a:xfrm>
+          <a:prstGeom prst="rect">
+            <a:avLst/>
+          </a:prstGeom>
+        </p:spPr>
+      </p:pic>
     </p:spTree>
     <p:extLst>
       <p:ext uri="{BB962C8B-B14F-4D97-AF65-F5344CB8AC3E}">
@@ -3593,10 +3850,34 @@
           <a:bodyPr/>
           <a:lstStyle/>
           <a:p>
-            <a:endParaRPr lang="en-US"/>
-          </a:p>
-        </p:txBody>
-      </p:sp>
+            <a:endParaRPr lang="en-US" dirty="0"/>
+          </a:p>
+        </p:txBody>
+      </p:sp>
+      <p:pic>
+        <p:nvPicPr>
+          <p:cNvPr id="8" name="Picture 7"/>
+          <p:cNvPicPr>
+            <a:picLocks noChangeAspect="1"/>
+          </p:cNvPicPr>
+          <p:nvPr/>
+        </p:nvPicPr>
+        <p:blipFill>
+          <a:blip r:embed="rId2"/>
+          <a:stretch>
+            <a:fillRect/>
+          </a:stretch>
+        </p:blipFill>
+        <p:spPr>
+          <a:xfrm>
+            <a:off x="1401086" y="2424757"/>
+            <a:ext cx="3419952" cy="2534004"/>
+          </a:xfrm>
+          <a:prstGeom prst="rect">
+            <a:avLst/>
+          </a:prstGeom>
+        </p:spPr>
+      </p:pic>
     </p:spTree>
     <p:extLst>
       <p:ext uri="{BB962C8B-B14F-4D97-AF65-F5344CB8AC3E}">
@@ -3651,12 +3932,9 @@
           <a:p>
             <a:r>
               <a:rPr lang="en-US" dirty="0" smtClean="0"/>
-              <a:t>Why not bootstrap </a:t>
-            </a:r>
-            <a:r>
-              <a:rPr lang="en-US" dirty="0"/>
-              <a:t>/ Tailwind</a:t>
-            </a:r>
+              <a:t>Home page animation</a:t>
+            </a:r>
+            <a:endParaRPr lang="en-US" dirty="0"/>
           </a:p>
         </p:txBody>
       </p:sp>
@@ -3675,20 +3953,31 @@
           <a:bodyPr/>
           <a:lstStyle/>
           <a:p>
-            <a:endParaRPr lang="en-US"/>
+            <a:r>
+              <a:rPr lang="en-US" dirty="0" smtClean="0"/>
+              <a:t>AOS library is being used</a:t>
+            </a:r>
+            <a:endParaRPr lang="en-US" dirty="0"/>
           </a:p>
         </p:txBody>
       </p:sp>
     </p:spTree>
     <p:extLst>
       <p:ext uri="{BB962C8B-B14F-4D97-AF65-F5344CB8AC3E}">
-        <p14:creationId xmlns:p14="http://schemas.microsoft.com/office/powerpoint/2010/main" val="3483171565"/>
+        <p14:creationId xmlns:p14="http://schemas.microsoft.com/office/powerpoint/2010/main" val="1098839579"/>
       </p:ext>
     </p:extLst>
   </p:cSld>
   <p:clrMapOvr>
     <a:masterClrMapping/>
   </p:clrMapOvr>
+  <p:timing>
+    <p:tnLst>
+      <p:par>
+        <p:cTn id="1" dur="indefinite" restart="never" nodeType="tmRoot"/>
+      </p:par>
+    </p:tnLst>
+  </p:timing>
 </p:sld>
 </file>
 
@@ -3726,7 +4015,11 @@
           <a:p>
             <a:r>
               <a:rPr lang="en-US" dirty="0" smtClean="0"/>
-              <a:t>All about responsive</a:t>
+              <a:t>Why not </a:t>
+            </a:r>
+            <a:r>
+              <a:rPr lang="en-US" dirty="0" smtClean="0"/>
+              <a:t>bootstrap</a:t>
             </a:r>
             <a:endParaRPr lang="en-US" dirty="0"/>
           </a:p>
@@ -3747,14 +4040,38 @@
           <a:bodyPr/>
           <a:lstStyle/>
           <a:p>
+            <a:r>
+              <a:rPr lang="en-US" dirty="0" smtClean="0"/>
+              <a:t>Customizable</a:t>
+            </a:r>
             <a:endParaRPr lang="en-US" dirty="0"/>
+          </a:p>
+          <a:p>
+            <a:r>
+              <a:rPr lang="en-US" dirty="0"/>
+              <a:t>Pre-built components not good </a:t>
+            </a:r>
+            <a:r>
+              <a:rPr lang="en-US" dirty="0" smtClean="0"/>
+              <a:t>looking</a:t>
+            </a:r>
+          </a:p>
+          <a:p>
+            <a:r>
+              <a:rPr lang="en-US" dirty="0"/>
+              <a:t>Pre-built </a:t>
+            </a:r>
+            <a:r>
+              <a:rPr lang="en-US" dirty="0" smtClean="0"/>
+              <a:t>components not satisfy our need</a:t>
+            </a:r>
           </a:p>
         </p:txBody>
       </p:sp>
     </p:spTree>
     <p:extLst>
       <p:ext uri="{BB962C8B-B14F-4D97-AF65-F5344CB8AC3E}">
-        <p14:creationId xmlns:p14="http://schemas.microsoft.com/office/powerpoint/2010/main" val="1268129847"/>
+        <p14:creationId xmlns:p14="http://schemas.microsoft.com/office/powerpoint/2010/main" val="3483171565"/>
       </p:ext>
     </p:extLst>
   </p:cSld>
@@ -3804,40 +4121,67 @@
           <a:lstStyle/>
           <a:p>
             <a:r>
-              <a:rPr lang="en-US" dirty="0" err="1" smtClean="0"/>
-              <a:t>Nav</a:t>
-            </a:r>
-            <a:r>
               <a:rPr lang="en-US" dirty="0" smtClean="0"/>
-              <a:t> bar</a:t>
+              <a:t>All about responsive</a:t>
             </a:r>
             <a:endParaRPr lang="en-US" dirty="0"/>
           </a:p>
         </p:txBody>
       </p:sp>
-      <p:sp>
-        <p:nvSpPr>
-          <p:cNvPr id="3" name="Content Placeholder 2"/>
-          <p:cNvSpPr>
-            <a:spLocks noGrp="1"/>
-          </p:cNvSpPr>
+      <p:pic>
+        <p:nvPicPr>
+          <p:cNvPr id="4" name="Content Placeholder 3"/>
+          <p:cNvPicPr>
+            <a:picLocks noGrp="1" noChangeAspect="1"/>
+          </p:cNvPicPr>
           <p:nvPr>
             <p:ph idx="1"/>
           </p:nvPr>
-        </p:nvSpPr>
-        <p:spPr/>
-        <p:txBody>
-          <a:bodyPr/>
-          <a:lstStyle/>
-          <a:p>
-            <a:endParaRPr lang="en-US"/>
-          </a:p>
-        </p:txBody>
-      </p:sp>
+        </p:nvPicPr>
+        <p:blipFill>
+          <a:blip r:embed="rId2"/>
+          <a:stretch>
+            <a:fillRect/>
+          </a:stretch>
+        </p:blipFill>
+        <p:spPr>
+          <a:xfrm>
+            <a:off x="599676" y="1564564"/>
+            <a:ext cx="7717792" cy="4962360"/>
+          </a:xfrm>
+          <a:prstGeom prst="rect">
+            <a:avLst/>
+          </a:prstGeom>
+        </p:spPr>
+      </p:pic>
+      <p:pic>
+        <p:nvPicPr>
+          <p:cNvPr id="5" name="Picture 4"/>
+          <p:cNvPicPr>
+            <a:picLocks noChangeAspect="1"/>
+          </p:cNvPicPr>
+          <p:nvPr/>
+        </p:nvPicPr>
+        <p:blipFill>
+          <a:blip r:embed="rId3"/>
+          <a:stretch>
+            <a:fillRect/>
+          </a:stretch>
+        </p:blipFill>
+        <p:spPr>
+          <a:xfrm>
+            <a:off x="8866898" y="714704"/>
+            <a:ext cx="3020302" cy="5959195"/>
+          </a:xfrm>
+          <a:prstGeom prst="rect">
+            <a:avLst/>
+          </a:prstGeom>
+        </p:spPr>
+      </p:pic>
     </p:spTree>
     <p:extLst>
       <p:ext uri="{BB962C8B-B14F-4D97-AF65-F5344CB8AC3E}">
-        <p14:creationId xmlns:p14="http://schemas.microsoft.com/office/powerpoint/2010/main" val="2487633742"/>
+        <p14:creationId xmlns:p14="http://schemas.microsoft.com/office/powerpoint/2010/main" val="1268129847"/>
       </p:ext>
     </p:extLst>
   </p:cSld>
@@ -3887,36 +4231,95 @@
           <a:lstStyle/>
           <a:p>
             <a:r>
+              <a:rPr lang="en-US" dirty="0" err="1" smtClean="0"/>
+              <a:t>Nav</a:t>
+            </a:r>
+            <a:r>
               <a:rPr lang="en-US" dirty="0" smtClean="0"/>
-              <a:t>Website function: apps</a:t>
+              <a:t> bar</a:t>
             </a:r>
             <a:endParaRPr lang="en-US" dirty="0"/>
           </a:p>
         </p:txBody>
       </p:sp>
-      <p:sp>
-        <p:nvSpPr>
-          <p:cNvPr id="3" name="Content Placeholder 2"/>
-          <p:cNvSpPr>
-            <a:spLocks noGrp="1"/>
-          </p:cNvSpPr>
+      <p:pic>
+        <p:nvPicPr>
+          <p:cNvPr id="4" name="Content Placeholder 3"/>
+          <p:cNvPicPr>
+            <a:picLocks noGrp="1" noChangeAspect="1"/>
+          </p:cNvPicPr>
           <p:nvPr>
             <p:ph idx="1"/>
           </p:nvPr>
-        </p:nvSpPr>
-        <p:spPr/>
-        <p:txBody>
-          <a:bodyPr/>
-          <a:lstStyle/>
-          <a:p>
-            <a:endParaRPr lang="en-US"/>
-          </a:p>
-        </p:txBody>
-      </p:sp>
+        </p:nvPicPr>
+        <p:blipFill>
+          <a:blip r:embed="rId2"/>
+          <a:stretch>
+            <a:fillRect/>
+          </a:stretch>
+        </p:blipFill>
+        <p:spPr>
+          <a:xfrm>
+            <a:off x="838200" y="1440825"/>
+            <a:ext cx="10515600" cy="727661"/>
+          </a:xfrm>
+          <a:prstGeom prst="rect">
+            <a:avLst/>
+          </a:prstGeom>
+        </p:spPr>
+      </p:pic>
+      <p:pic>
+        <p:nvPicPr>
+          <p:cNvPr id="5" name="Picture 4"/>
+          <p:cNvPicPr>
+            <a:picLocks noChangeAspect="1"/>
+          </p:cNvPicPr>
+          <p:nvPr/>
+        </p:nvPicPr>
+        <p:blipFill>
+          <a:blip r:embed="rId3"/>
+          <a:stretch>
+            <a:fillRect/>
+          </a:stretch>
+        </p:blipFill>
+        <p:spPr>
+          <a:xfrm>
+            <a:off x="838200" y="2766388"/>
+            <a:ext cx="7706801" cy="724001"/>
+          </a:xfrm>
+          <a:prstGeom prst="rect">
+            <a:avLst/>
+          </a:prstGeom>
+        </p:spPr>
+      </p:pic>
+      <p:pic>
+        <p:nvPicPr>
+          <p:cNvPr id="6" name="Picture 5"/>
+          <p:cNvPicPr>
+            <a:picLocks noChangeAspect="1"/>
+          </p:cNvPicPr>
+          <p:nvPr/>
+        </p:nvPicPr>
+        <p:blipFill>
+          <a:blip r:embed="rId4"/>
+          <a:stretch>
+            <a:fillRect/>
+          </a:stretch>
+        </p:blipFill>
+        <p:spPr>
+          <a:xfrm>
+            <a:off x="9217573" y="2310845"/>
+            <a:ext cx="1734207" cy="4471003"/>
+          </a:xfrm>
+          <a:prstGeom prst="rect">
+            <a:avLst/>
+          </a:prstGeom>
+        </p:spPr>
+      </p:pic>
     </p:spTree>
     <p:extLst>
       <p:ext uri="{BB962C8B-B14F-4D97-AF65-F5344CB8AC3E}">
-        <p14:creationId xmlns:p14="http://schemas.microsoft.com/office/powerpoint/2010/main" val="3572579730"/>
+        <p14:creationId xmlns:p14="http://schemas.microsoft.com/office/powerpoint/2010/main" val="2487633742"/>
       </p:ext>
     </p:extLst>
   </p:cSld>
@@ -3967,15 +4370,7 @@
           <a:p>
             <a:r>
               <a:rPr lang="en-US" dirty="0" smtClean="0"/>
-              <a:t>Website function: </a:t>
-            </a:r>
-            <a:r>
-              <a:rPr lang="en-US" dirty="0" err="1" smtClean="0"/>
-              <a:t>shpopping</a:t>
-            </a:r>
-            <a:r>
-              <a:rPr lang="en-US" dirty="0" smtClean="0"/>
-              <a:t> / product</a:t>
+              <a:t>Website function: apps</a:t>
             </a:r>
             <a:endParaRPr lang="en-US" dirty="0"/>
           </a:p>
@@ -4000,10 +4395,34 @@
           </a:p>
         </p:txBody>
       </p:sp>
+      <p:pic>
+        <p:nvPicPr>
+          <p:cNvPr id="4" name="Picture 3"/>
+          <p:cNvPicPr>
+            <a:picLocks noChangeAspect="1"/>
+          </p:cNvPicPr>
+          <p:nvPr/>
+        </p:nvPicPr>
+        <p:blipFill>
+          <a:blip r:embed="rId2"/>
+          <a:stretch>
+            <a:fillRect/>
+          </a:stretch>
+        </p:blipFill>
+        <p:spPr>
+          <a:xfrm>
+            <a:off x="1944580" y="1825625"/>
+            <a:ext cx="8302839" cy="4499341"/>
+          </a:xfrm>
+          <a:prstGeom prst="rect">
+            <a:avLst/>
+          </a:prstGeom>
+        </p:spPr>
+      </p:pic>
     </p:spTree>
     <p:extLst>
       <p:ext uri="{BB962C8B-B14F-4D97-AF65-F5344CB8AC3E}">
-        <p14:creationId xmlns:p14="http://schemas.microsoft.com/office/powerpoint/2010/main" val="1016140002"/>
+        <p14:creationId xmlns:p14="http://schemas.microsoft.com/office/powerpoint/2010/main" val="3572579730"/>
       </p:ext>
     </p:extLst>
   </p:cSld>

--- a/present-docs/project-presentation.pptx
+++ b/present-docs/project-presentation.pptx
@@ -3108,7 +3108,7 @@
         </p:blipFill>
         <p:spPr>
           <a:xfrm>
-            <a:off x="5885855" y="4125718"/>
+            <a:off x="6096000" y="3296469"/>
             <a:ext cx="4248743" cy="1228896"/>
           </a:xfrm>
           <a:prstGeom prst="rect">
@@ -3132,7 +3132,7 @@
         </p:blipFill>
         <p:spPr>
           <a:xfrm>
-            <a:off x="838200" y="1892195"/>
+            <a:off x="911772" y="1690688"/>
             <a:ext cx="2962688" cy="4239217"/>
           </a:xfrm>
           <a:prstGeom prst="rect">
@@ -3230,6 +3230,30 @@
           </a:fontRef>
         </p:style>
       </p:cxnSp>
+      <p:pic>
+        <p:nvPicPr>
+          <p:cNvPr id="3" name="Picture 2"/>
+          <p:cNvPicPr>
+            <a:picLocks noChangeAspect="1"/>
+          </p:cNvPicPr>
+          <p:nvPr/>
+        </p:nvPicPr>
+        <p:blipFill>
+          <a:blip r:embed="rId5"/>
+          <a:stretch>
+            <a:fillRect/>
+          </a:stretch>
+        </p:blipFill>
+        <p:spPr>
+          <a:xfrm>
+            <a:off x="1257300" y="6142056"/>
+            <a:ext cx="10096500" cy="676275"/>
+          </a:xfrm>
+          <a:prstGeom prst="rect">
+            <a:avLst/>
+          </a:prstGeom>
+        </p:spPr>
+      </p:pic>
     </p:spTree>
     <p:extLst>
       <p:ext uri="{BB962C8B-B14F-4D97-AF65-F5344CB8AC3E}">
@@ -3284,31 +3308,42 @@
           <a:p>
             <a:r>
               <a:rPr lang="en-US" dirty="0" smtClean="0"/>
-              <a:t>Website function: contact list</a:t>
+              <a:t>Website function: contact </a:t>
+            </a:r>
+            <a:r>
+              <a:rPr lang="en-US" dirty="0" smtClean="0"/>
+              <a:t>list</a:t>
             </a:r>
             <a:endParaRPr lang="en-US" dirty="0"/>
           </a:p>
         </p:txBody>
       </p:sp>
-      <p:sp>
-        <p:nvSpPr>
-          <p:cNvPr id="3" name="Content Placeholder 2"/>
-          <p:cNvSpPr>
-            <a:spLocks noGrp="1"/>
-          </p:cNvSpPr>
+      <p:pic>
+        <p:nvPicPr>
+          <p:cNvPr id="6" name="Content Placeholder 5"/>
+          <p:cNvPicPr>
+            <a:picLocks noGrp="1" noChangeAspect="1"/>
+          </p:cNvPicPr>
           <p:nvPr>
             <p:ph idx="1"/>
           </p:nvPr>
-        </p:nvSpPr>
-        <p:spPr/>
-        <p:txBody>
-          <a:bodyPr/>
-          <a:lstStyle/>
-          <a:p>
-            <a:endParaRPr lang="en-US" dirty="0"/>
-          </a:p>
-        </p:txBody>
-      </p:sp>
+        </p:nvPicPr>
+        <p:blipFill>
+          <a:blip r:embed="rId2"/>
+          <a:stretch>
+            <a:fillRect/>
+          </a:stretch>
+        </p:blipFill>
+        <p:spPr>
+          <a:xfrm>
+            <a:off x="7034541" y="2291280"/>
+            <a:ext cx="4429125" cy="3676650"/>
+          </a:xfrm>
+          <a:prstGeom prst="rect">
+            <a:avLst/>
+          </a:prstGeom>
+        </p:spPr>
+      </p:pic>
       <p:pic>
         <p:nvPicPr>
           <p:cNvPr id="4" name="Picture 3"/>
@@ -3318,14 +3353,14 @@
           <p:nvPr/>
         </p:nvPicPr>
         <p:blipFill>
-          <a:blip r:embed="rId2"/>
+          <a:blip r:embed="rId3"/>
           <a:stretch>
             <a:fillRect/>
           </a:stretch>
         </p:blipFill>
         <p:spPr>
           <a:xfrm>
-            <a:off x="3300759" y="1401210"/>
+            <a:off x="838200" y="1401210"/>
             <a:ext cx="5927324" cy="5456790"/>
           </a:xfrm>
           <a:prstGeom prst="rect">
@@ -3525,7 +3560,11 @@
           <a:p>
             <a:r>
               <a:rPr lang="en-US" dirty="0" smtClean="0"/>
-              <a:t>Technology used: HTML5, CSS3, Javascript6</a:t>
+              <a:t>Technology used: HTML5, CSS3, </a:t>
+            </a:r>
+            <a:r>
+              <a:rPr lang="en-US" dirty="0" err="1" smtClean="0"/>
+              <a:t>Javascript</a:t>
             </a:r>
             <a:endParaRPr lang="en-US" dirty="0"/>
           </a:p>
@@ -3850,6 +3889,10 @@
           <a:bodyPr/>
           <a:lstStyle/>
           <a:p>
+            <a:r>
+              <a:rPr lang="en-US" dirty="0" smtClean="0"/>
+              <a:t>:root</a:t>
+            </a:r>
             <a:endParaRPr lang="en-US" dirty="0"/>
           </a:p>
         </p:txBody>
@@ -4015,11 +4058,7 @@
           <a:p>
             <a:r>
               <a:rPr lang="en-US" dirty="0" smtClean="0"/>
-              <a:t>Why not </a:t>
-            </a:r>
-            <a:r>
-              <a:rPr lang="en-US" dirty="0" smtClean="0"/>
-              <a:t>bootstrap</a:t>
+              <a:t>Why not bootstrap</a:t>
             </a:r>
             <a:endParaRPr lang="en-US" dirty="0"/>
           </a:p>

--- a/present-docs/project-presentation.pptx
+++ b/present-docs/project-presentation.pptx
@@ -3308,11 +3308,7 @@
           <a:p>
             <a:r>
               <a:rPr lang="en-US" dirty="0" smtClean="0"/>
-              <a:t>Website function: contact </a:t>
-            </a:r>
-            <a:r>
-              <a:rPr lang="en-US" dirty="0" smtClean="0"/>
-              <a:t>list</a:t>
+              <a:t>Website function: contact list</a:t>
             </a:r>
             <a:endParaRPr lang="en-US" dirty="0"/>
           </a:p>
@@ -3360,7 +3356,7 @@
         </p:blipFill>
         <p:spPr>
           <a:xfrm>
-            <a:off x="838200" y="1401210"/>
+            <a:off x="838200" y="1317132"/>
             <a:ext cx="5927324" cy="5456790"/>
           </a:xfrm>
           <a:prstGeom prst="rect">
@@ -3563,8 +3559,8 @@
               <a:t>Technology used: HTML5, CSS3, </a:t>
             </a:r>
             <a:r>
-              <a:rPr lang="en-US" dirty="0" err="1" smtClean="0"/>
-              <a:t>Javascript</a:t>
+              <a:rPr lang="en-US" dirty="0" smtClean="0"/>
+              <a:t>JavaScript</a:t>
             </a:r>
             <a:endParaRPr lang="en-US" dirty="0"/>
           </a:p>
@@ -3915,6 +3911,54 @@
           <a:xfrm>
             <a:off x="1401086" y="2424757"/>
             <a:ext cx="3419952" cy="2534004"/>
+          </a:xfrm>
+          <a:prstGeom prst="rect">
+            <a:avLst/>
+          </a:prstGeom>
+        </p:spPr>
+      </p:pic>
+      <p:pic>
+        <p:nvPicPr>
+          <p:cNvPr id="4" name="Picture 3"/>
+          <p:cNvPicPr>
+            <a:picLocks noChangeAspect="1"/>
+          </p:cNvPicPr>
+          <p:nvPr/>
+        </p:nvPicPr>
+        <p:blipFill>
+          <a:blip r:embed="rId3"/>
+          <a:stretch>
+            <a:fillRect/>
+          </a:stretch>
+        </p:blipFill>
+        <p:spPr>
+          <a:xfrm>
+            <a:off x="6263672" y="365125"/>
+            <a:ext cx="4552950" cy="2962275"/>
+          </a:xfrm>
+          <a:prstGeom prst="rect">
+            <a:avLst/>
+          </a:prstGeom>
+        </p:spPr>
+      </p:pic>
+      <p:pic>
+        <p:nvPicPr>
+          <p:cNvPr id="5" name="Picture 4"/>
+          <p:cNvPicPr>
+            <a:picLocks noChangeAspect="1"/>
+          </p:cNvPicPr>
+          <p:nvPr/>
+        </p:nvPicPr>
+        <p:blipFill>
+          <a:blip r:embed="rId4"/>
+          <a:stretch>
+            <a:fillRect/>
+          </a:stretch>
+        </p:blipFill>
+        <p:spPr>
+          <a:xfrm>
+            <a:off x="6263672" y="3472861"/>
+            <a:ext cx="4543425" cy="2971800"/>
           </a:xfrm>
           <a:prstGeom prst="rect">
             <a:avLst/>

--- a/present-docs/project-presentation.pptx
+++ b/present-docs/project-presentation.pptx
@@ -9,14 +9,20 @@
     <p:sldId id="258" r:id="rId3"/>
     <p:sldId id="264" r:id="rId4"/>
     <p:sldId id="259" r:id="rId5"/>
-    <p:sldId id="267" r:id="rId6"/>
-    <p:sldId id="266" r:id="rId7"/>
-    <p:sldId id="257" r:id="rId8"/>
-    <p:sldId id="265" r:id="rId9"/>
-    <p:sldId id="261" r:id="rId10"/>
-    <p:sldId id="262" r:id="rId11"/>
-    <p:sldId id="263" r:id="rId12"/>
-    <p:sldId id="260" r:id="rId13"/>
+    <p:sldId id="268" r:id="rId6"/>
+    <p:sldId id="260" r:id="rId7"/>
+    <p:sldId id="267" r:id="rId8"/>
+    <p:sldId id="266" r:id="rId9"/>
+    <p:sldId id="257" r:id="rId10"/>
+    <p:sldId id="265" r:id="rId11"/>
+    <p:sldId id="261" r:id="rId12"/>
+    <p:sldId id="273" r:id="rId13"/>
+    <p:sldId id="270" r:id="rId14"/>
+    <p:sldId id="272" r:id="rId15"/>
+    <p:sldId id="271" r:id="rId16"/>
+    <p:sldId id="269" r:id="rId17"/>
+    <p:sldId id="262" r:id="rId18"/>
+    <p:sldId id="263" r:id="rId19"/>
   </p:sldIdLst>
   <p:sldSz cx="12192000" cy="6858000"/>
   <p:notesSz cx="6858000" cy="9144000"/>
@@ -254,7 +260,7 @@
           <a:p>
             <a:fld id="{B695AB57-42F9-4B5A-864A-03C8CA662476}" type="datetimeFigureOut">
               <a:rPr lang="en-US" smtClean="0"/>
-              <a:t>5/29/2023</a:t>
+              <a:t>5/30/2023</a:t>
             </a:fld>
             <a:endParaRPr lang="en-US"/>
           </a:p>
@@ -424,7 +430,7 @@
           <a:p>
             <a:fld id="{B695AB57-42F9-4B5A-864A-03C8CA662476}" type="datetimeFigureOut">
               <a:rPr lang="en-US" smtClean="0"/>
-              <a:t>5/29/2023</a:t>
+              <a:t>5/30/2023</a:t>
             </a:fld>
             <a:endParaRPr lang="en-US"/>
           </a:p>
@@ -604,7 +610,7 @@
           <a:p>
             <a:fld id="{B695AB57-42F9-4B5A-864A-03C8CA662476}" type="datetimeFigureOut">
               <a:rPr lang="en-US" smtClean="0"/>
-              <a:t>5/29/2023</a:t>
+              <a:t>5/30/2023</a:t>
             </a:fld>
             <a:endParaRPr lang="en-US"/>
           </a:p>
@@ -774,7 +780,7 @@
           <a:p>
             <a:fld id="{B695AB57-42F9-4B5A-864A-03C8CA662476}" type="datetimeFigureOut">
               <a:rPr lang="en-US" smtClean="0"/>
-              <a:t>5/29/2023</a:t>
+              <a:t>5/30/2023</a:t>
             </a:fld>
             <a:endParaRPr lang="en-US"/>
           </a:p>
@@ -1020,7 +1026,7 @@
           <a:p>
             <a:fld id="{B695AB57-42F9-4B5A-864A-03C8CA662476}" type="datetimeFigureOut">
               <a:rPr lang="en-US" smtClean="0"/>
-              <a:t>5/29/2023</a:t>
+              <a:t>5/30/2023</a:t>
             </a:fld>
             <a:endParaRPr lang="en-US"/>
           </a:p>
@@ -1252,7 +1258,7 @@
           <a:p>
             <a:fld id="{B695AB57-42F9-4B5A-864A-03C8CA662476}" type="datetimeFigureOut">
               <a:rPr lang="en-US" smtClean="0"/>
-              <a:t>5/29/2023</a:t>
+              <a:t>5/30/2023</a:t>
             </a:fld>
             <a:endParaRPr lang="en-US"/>
           </a:p>
@@ -1619,7 +1625,7 @@
           <a:p>
             <a:fld id="{B695AB57-42F9-4B5A-864A-03C8CA662476}" type="datetimeFigureOut">
               <a:rPr lang="en-US" smtClean="0"/>
-              <a:t>5/29/2023</a:t>
+              <a:t>5/30/2023</a:t>
             </a:fld>
             <a:endParaRPr lang="en-US"/>
           </a:p>
@@ -1737,7 +1743,7 @@
           <a:p>
             <a:fld id="{B695AB57-42F9-4B5A-864A-03C8CA662476}" type="datetimeFigureOut">
               <a:rPr lang="en-US" smtClean="0"/>
-              <a:t>5/29/2023</a:t>
+              <a:t>5/30/2023</a:t>
             </a:fld>
             <a:endParaRPr lang="en-US"/>
           </a:p>
@@ -1832,7 +1838,7 @@
           <a:p>
             <a:fld id="{B695AB57-42F9-4B5A-864A-03C8CA662476}" type="datetimeFigureOut">
               <a:rPr lang="en-US" smtClean="0"/>
-              <a:t>5/29/2023</a:t>
+              <a:t>5/30/2023</a:t>
             </a:fld>
             <a:endParaRPr lang="en-US"/>
           </a:p>
@@ -2109,7 +2115,7 @@
           <a:p>
             <a:fld id="{B695AB57-42F9-4B5A-864A-03C8CA662476}" type="datetimeFigureOut">
               <a:rPr lang="en-US" smtClean="0"/>
-              <a:t>5/29/2023</a:t>
+              <a:t>5/30/2023</a:t>
             </a:fld>
             <a:endParaRPr lang="en-US"/>
           </a:p>
@@ -2362,7 +2368,7 @@
           <a:p>
             <a:fld id="{B695AB57-42F9-4B5A-864A-03C8CA662476}" type="datetimeFigureOut">
               <a:rPr lang="en-US" smtClean="0"/>
-              <a:t>5/29/2023</a:t>
+              <a:t>5/30/2023</a:t>
             </a:fld>
             <a:endParaRPr lang="en-US"/>
           </a:p>
@@ -2575,7 +2581,7 @@
           <a:p>
             <a:fld id="{B695AB57-42F9-4B5A-864A-03C8CA662476}" type="datetimeFigureOut">
               <a:rPr lang="en-US" smtClean="0"/>
-              <a:t>5/29/2023</a:t>
+              <a:t>5/30/2023</a:t>
             </a:fld>
             <a:endParaRPr lang="en-US"/>
           </a:p>
@@ -2966,6 +2972,14 @@
 <file path=ppt/slides/slide1.xml><?xml version="1.0" encoding="utf-8"?>
 <p:sld xmlns:a="http://schemas.openxmlformats.org/drawingml/2006/main" xmlns:r="http://schemas.openxmlformats.org/officeDocument/2006/relationships" xmlns:p="http://schemas.openxmlformats.org/presentationml/2006/main">
   <p:cSld>
+    <p:bg>
+      <p:bgPr>
+        <a:solidFill>
+          <a:schemeClr val="bg1"/>
+        </a:solidFill>
+        <a:effectLst/>
+      </p:bgPr>
+    </p:bg>
     <p:spTree>
       <p:nvGrpSpPr>
         <p:cNvPr id="1" name=""/>
@@ -2990,14 +3004,19 @@
             <p:ph type="ctrTitle"/>
           </p:nvPr>
         </p:nvSpPr>
-        <p:spPr/>
+        <p:spPr>
+          <a:xfrm>
+            <a:off x="-1357227" y="942141"/>
+            <a:ext cx="7484967" cy="1340809"/>
+          </a:xfrm>
+        </p:spPr>
         <p:txBody>
           <a:bodyPr/>
           <a:lstStyle/>
           <a:p>
             <a:r>
               <a:rPr lang="en-US" dirty="0" smtClean="0"/>
-              <a:t>project</a:t>
+              <a:t>Project</a:t>
             </a:r>
             <a:endParaRPr lang="en-US" dirty="0"/>
           </a:p>
@@ -3013,15 +3032,125 @@
             <p:ph type="subTitle" idx="1"/>
           </p:nvPr>
         </p:nvSpPr>
-        <p:spPr/>
-        <p:txBody>
-          <a:bodyPr/>
-          <a:lstStyle/>
-          <a:p>
-            <a:endParaRPr lang="en-US"/>
-          </a:p>
-        </p:txBody>
-      </p:sp>
+        <p:spPr>
+          <a:xfrm>
+            <a:off x="1435228" y="3099401"/>
+            <a:ext cx="3918858" cy="3337023"/>
+          </a:xfrm>
+        </p:spPr>
+        <p:txBody>
+          <a:bodyPr>
+            <a:normAutofit/>
+          </a:bodyPr>
+          <a:lstStyle/>
+          <a:p>
+            <a:pPr algn="l"/>
+            <a:r>
+              <a:rPr lang="en-US" dirty="0" smtClean="0"/>
+              <a:t>Health Wizard</a:t>
+            </a:r>
+          </a:p>
+          <a:p>
+            <a:pPr algn="l"/>
+            <a:endParaRPr lang="en-US" dirty="0"/>
+          </a:p>
+          <a:p>
+            <a:pPr algn="l"/>
+            <a:r>
+              <a:rPr lang="en-US" dirty="0" smtClean="0"/>
+              <a:t>Lionel </a:t>
+            </a:r>
+            <a:r>
+              <a:rPr lang="en-US" dirty="0"/>
+              <a:t>Chun (4)</a:t>
+            </a:r>
+          </a:p>
+          <a:p>
+            <a:pPr algn="l"/>
+            <a:r>
+              <a:rPr lang="en-US" dirty="0"/>
+              <a:t>Chan Chi Ho (8</a:t>
+            </a:r>
+            <a:r>
+              <a:rPr lang="en-US" dirty="0" smtClean="0"/>
+              <a:t>)</a:t>
+            </a:r>
+          </a:p>
+          <a:p>
+            <a:pPr algn="l"/>
+            <a:r>
+              <a:rPr lang="en-US" dirty="0" err="1" smtClean="0"/>
+              <a:t>Mak</a:t>
+            </a:r>
+            <a:r>
+              <a:rPr lang="en-US" dirty="0" smtClean="0"/>
+              <a:t> </a:t>
+            </a:r>
+            <a:r>
+              <a:rPr lang="en-US" dirty="0" err="1" smtClean="0"/>
+              <a:t>Yiu</a:t>
+            </a:r>
+            <a:r>
+              <a:rPr lang="en-US" dirty="0" smtClean="0"/>
+              <a:t> Hong (13)</a:t>
+            </a:r>
+          </a:p>
+          <a:p>
+            <a:pPr algn="l"/>
+            <a:r>
+              <a:rPr lang="en-US" dirty="0"/>
+              <a:t>Chan </a:t>
+            </a:r>
+            <a:r>
+              <a:rPr lang="en-US" dirty="0" err="1"/>
+              <a:t>Ka</a:t>
+            </a:r>
+            <a:r>
+              <a:rPr lang="en-US" dirty="0"/>
+              <a:t> Yin (22)</a:t>
+            </a:r>
+          </a:p>
+          <a:p>
+            <a:pPr algn="l"/>
+            <a:endParaRPr lang="en-US" dirty="0"/>
+          </a:p>
+        </p:txBody>
+      </p:sp>
+      <p:pic>
+        <p:nvPicPr>
+          <p:cNvPr id="5" name="Picture 4"/>
+          <p:cNvPicPr>
+            <a:picLocks noChangeAspect="1"/>
+          </p:cNvPicPr>
+          <p:nvPr/>
+        </p:nvPicPr>
+        <p:blipFill>
+          <a:blip r:embed="rId2">
+            <a:extLst>
+              <a:ext uri="{28A0092B-C50C-407E-A947-70E740481C1C}">
+                <a14:useLocalDpi xmlns:a14="http://schemas.microsoft.com/office/drawing/2010/main" val="0"/>
+              </a:ext>
+            </a:extLst>
+          </a:blip>
+          <a:stretch>
+            <a:fillRect/>
+          </a:stretch>
+        </p:blipFill>
+        <p:spPr>
+          <a:xfrm>
+            <a:off x="4775138" y="1812463"/>
+            <a:ext cx="6710280" cy="3286661"/>
+          </a:xfrm>
+          <a:prstGeom prst="rect">
+            <a:avLst/>
+          </a:prstGeom>
+          <a:effectLst>
+            <a:glow rad="127000">
+              <a:schemeClr val="accent1"/>
+            </a:glow>
+          </a:effectLst>
+        </p:spPr>
+      </p:pic>
     </p:spTree>
     <p:extLst>
       <p:ext uri="{BB962C8B-B14F-4D97-AF65-F5344CB8AC3E}">
@@ -3075,16 +3204,12 @@
           <a:lstStyle/>
           <a:p>
             <a:r>
+              <a:rPr lang="en-US" dirty="0" err="1" smtClean="0"/>
+              <a:t>Nav</a:t>
+            </a:r>
+            <a:r>
               <a:rPr lang="en-US" dirty="0" smtClean="0"/>
-              <a:t>Website function: </a:t>
-            </a:r>
-            <a:r>
-              <a:rPr lang="en-US" dirty="0" err="1" smtClean="0"/>
-              <a:t>shpopping</a:t>
-            </a:r>
-            <a:r>
-              <a:rPr lang="en-US" dirty="0" smtClean="0"/>
-              <a:t> / product</a:t>
+              <a:t> bar</a:t>
             </a:r>
             <a:endParaRPr lang="en-US" dirty="0"/>
           </a:p>
@@ -3092,7 +3217,7 @@
       </p:sp>
       <p:pic>
         <p:nvPicPr>
-          <p:cNvPr id="7" name="Content Placeholder 6"/>
+          <p:cNvPr id="4" name="Content Placeholder 3"/>
           <p:cNvPicPr>
             <a:picLocks noGrp="1" noChangeAspect="1"/>
           </p:cNvPicPr>
@@ -3108,8 +3233,8 @@
         </p:blipFill>
         <p:spPr>
           <a:xfrm>
-            <a:off x="6096000" y="3296469"/>
-            <a:ext cx="4248743" cy="1228896"/>
+            <a:off x="838200" y="1440825"/>
+            <a:ext cx="10515600" cy="727661"/>
           </a:xfrm>
           <a:prstGeom prst="rect">
             <a:avLst/>
@@ -3118,7 +3243,7 @@
       </p:pic>
       <p:pic>
         <p:nvPicPr>
-          <p:cNvPr id="4" name="Picture 3"/>
+          <p:cNvPr id="5" name="Picture 4"/>
           <p:cNvPicPr>
             <a:picLocks noChangeAspect="1"/>
           </p:cNvPicPr>
@@ -3132,50 +3257,17 @@
         </p:blipFill>
         <p:spPr>
           <a:xfrm>
-            <a:off x="911772" y="1690688"/>
-            <a:ext cx="2962688" cy="4239217"/>
+            <a:off x="838200" y="2766388"/>
+            <a:ext cx="7706801" cy="724001"/>
           </a:xfrm>
           <a:prstGeom prst="rect">
             <a:avLst/>
           </a:prstGeom>
         </p:spPr>
       </p:pic>
-      <p:cxnSp>
-        <p:nvCxnSpPr>
-          <p:cNvPr id="6" name="Straight Arrow Connector 5"/>
-          <p:cNvCxnSpPr/>
-          <p:nvPr/>
-        </p:nvCxnSpPr>
-        <p:spPr>
-          <a:xfrm flipH="1">
-            <a:off x="3132083" y="4908331"/>
-            <a:ext cx="588579" cy="525518"/>
-          </a:xfrm>
-          <a:prstGeom prst="straightConnector1">
-            <a:avLst/>
-          </a:prstGeom>
-          <a:ln w="76200">
-            <a:tailEnd type="triangle"/>
-          </a:ln>
-        </p:spPr>
-        <p:style>
-          <a:lnRef idx="1">
-            <a:schemeClr val="accent1"/>
-          </a:lnRef>
-          <a:fillRef idx="0">
-            <a:schemeClr val="accent1"/>
-          </a:fillRef>
-          <a:effectRef idx="0">
-            <a:schemeClr val="accent1"/>
-          </a:effectRef>
-          <a:fontRef idx="minor">
-            <a:schemeClr val="tx1"/>
-          </a:fontRef>
-        </p:style>
-      </p:cxnSp>
       <p:pic>
         <p:nvPicPr>
-          <p:cNvPr id="8" name="Picture 7"/>
+          <p:cNvPr id="6" name="Picture 5"/>
           <p:cNvPicPr>
             <a:picLocks noChangeAspect="1"/>
           </p:cNvPicPr>
@@ -3189,65 +3281,8 @@
         </p:blipFill>
         <p:spPr>
           <a:xfrm>
-            <a:off x="4157221" y="2130835"/>
-            <a:ext cx="7706012" cy="725487"/>
-          </a:xfrm>
-          <a:prstGeom prst="rect">
-            <a:avLst/>
-          </a:prstGeom>
-        </p:spPr>
-      </p:pic>
-      <p:cxnSp>
-        <p:nvCxnSpPr>
-          <p:cNvPr id="10" name="Straight Arrow Connector 9"/>
-          <p:cNvCxnSpPr/>
-          <p:nvPr/>
-        </p:nvCxnSpPr>
-        <p:spPr>
-          <a:xfrm>
-            <a:off x="9080938" y="2291255"/>
-            <a:ext cx="651641" cy="202323"/>
-          </a:xfrm>
-          <a:prstGeom prst="straightConnector1">
-            <a:avLst/>
-          </a:prstGeom>
-          <a:ln w="76200">
-            <a:tailEnd type="triangle"/>
-          </a:ln>
-        </p:spPr>
-        <p:style>
-          <a:lnRef idx="1">
-            <a:schemeClr val="accent1"/>
-          </a:lnRef>
-          <a:fillRef idx="0">
-            <a:schemeClr val="accent1"/>
-          </a:fillRef>
-          <a:effectRef idx="0">
-            <a:schemeClr val="accent1"/>
-          </a:effectRef>
-          <a:fontRef idx="minor">
-            <a:schemeClr val="tx1"/>
-          </a:fontRef>
-        </p:style>
-      </p:cxnSp>
-      <p:pic>
-        <p:nvPicPr>
-          <p:cNvPr id="3" name="Picture 2"/>
-          <p:cNvPicPr>
-            <a:picLocks noChangeAspect="1"/>
-          </p:cNvPicPr>
-          <p:nvPr/>
-        </p:nvPicPr>
-        <p:blipFill>
-          <a:blip r:embed="rId5"/>
-          <a:stretch>
-            <a:fillRect/>
-          </a:stretch>
-        </p:blipFill>
-        <p:spPr>
-          <a:xfrm>
-            <a:off x="1257300" y="6142056"/>
-            <a:ext cx="10096500" cy="676275"/>
+            <a:off x="9217573" y="2310845"/>
+            <a:ext cx="1734207" cy="4471003"/>
           </a:xfrm>
           <a:prstGeom prst="rect">
             <a:avLst/>
@@ -3257,7 +3292,7 @@
     </p:spTree>
     <p:extLst>
       <p:ext uri="{BB962C8B-B14F-4D97-AF65-F5344CB8AC3E}">
-        <p14:creationId xmlns:p14="http://schemas.microsoft.com/office/powerpoint/2010/main" val="1016140002"/>
+        <p14:creationId xmlns:p14="http://schemas.microsoft.com/office/powerpoint/2010/main" val="2487633742"/>
       </p:ext>
     </p:extLst>
   </p:cSld>
@@ -3308,38 +3343,31 @@
           <a:p>
             <a:r>
               <a:rPr lang="en-US" dirty="0" smtClean="0"/>
-              <a:t>Website function: contact list</a:t>
+              <a:t>Website function: Apps</a:t>
             </a:r>
             <a:endParaRPr lang="en-US" dirty="0"/>
           </a:p>
         </p:txBody>
       </p:sp>
-      <p:pic>
-        <p:nvPicPr>
-          <p:cNvPr id="6" name="Content Placeholder 5"/>
-          <p:cNvPicPr>
-            <a:picLocks noGrp="1" noChangeAspect="1"/>
-          </p:cNvPicPr>
+      <p:sp>
+        <p:nvSpPr>
+          <p:cNvPr id="3" name="Content Placeholder 2"/>
+          <p:cNvSpPr>
+            <a:spLocks noGrp="1"/>
+          </p:cNvSpPr>
           <p:nvPr>
             <p:ph idx="1"/>
           </p:nvPr>
-        </p:nvPicPr>
-        <p:blipFill>
-          <a:blip r:embed="rId2"/>
-          <a:stretch>
-            <a:fillRect/>
-          </a:stretch>
-        </p:blipFill>
-        <p:spPr>
-          <a:xfrm>
-            <a:off x="7034541" y="2291280"/>
-            <a:ext cx="4429125" cy="3676650"/>
-          </a:xfrm>
-          <a:prstGeom prst="rect">
-            <a:avLst/>
-          </a:prstGeom>
-        </p:spPr>
-      </p:pic>
+        </p:nvSpPr>
+        <p:spPr/>
+        <p:txBody>
+          <a:bodyPr/>
+          <a:lstStyle/>
+          <a:p>
+            <a:endParaRPr lang="en-US" dirty="0"/>
+          </a:p>
+        </p:txBody>
+      </p:sp>
       <p:pic>
         <p:nvPicPr>
           <p:cNvPr id="4" name="Picture 3"/>
@@ -3349,15 +3377,15 @@
           <p:nvPr/>
         </p:nvPicPr>
         <p:blipFill>
-          <a:blip r:embed="rId3"/>
+          <a:blip r:embed="rId2"/>
           <a:stretch>
             <a:fillRect/>
           </a:stretch>
         </p:blipFill>
         <p:spPr>
           <a:xfrm>
-            <a:off x="838200" y="1317132"/>
-            <a:ext cx="5927324" cy="5456790"/>
+            <a:off x="1813952" y="1751623"/>
+            <a:ext cx="8302839" cy="4499341"/>
           </a:xfrm>
           <a:prstGeom prst="rect">
             <a:avLst/>
@@ -3367,7 +3395,7 @@
     </p:spTree>
     <p:extLst>
       <p:ext uri="{BB962C8B-B14F-4D97-AF65-F5344CB8AC3E}">
-        <p14:creationId xmlns:p14="http://schemas.microsoft.com/office/powerpoint/2010/main" val="3257646881"/>
+        <p14:creationId xmlns:p14="http://schemas.microsoft.com/office/powerpoint/2010/main" val="3572579730"/>
       </p:ext>
     </p:extLst>
   </p:cSld>
@@ -3418,31 +3446,523 @@
           <a:p>
             <a:r>
               <a:rPr lang="en-US" dirty="0" smtClean="0"/>
-              <a:t>UML</a:t>
+              <a:t>Health Video Player</a:t>
             </a:r>
             <a:endParaRPr lang="en-US" dirty="0"/>
           </a:p>
         </p:txBody>
       </p:sp>
-      <p:sp>
-        <p:nvSpPr>
-          <p:cNvPr id="3" name="Content Placeholder 2"/>
-          <p:cNvSpPr>
-            <a:spLocks noGrp="1"/>
-          </p:cNvSpPr>
+      <p:pic>
+        <p:nvPicPr>
+          <p:cNvPr id="4" name="Content Placeholder 3"/>
+          <p:cNvPicPr>
+            <a:picLocks noGrp="1" noChangeAspect="1"/>
+          </p:cNvPicPr>
           <p:nvPr>
             <p:ph idx="1"/>
           </p:nvPr>
-        </p:nvSpPr>
-        <p:spPr/>
-        <p:txBody>
-          <a:bodyPr/>
-          <a:lstStyle/>
-          <a:p>
+        </p:nvPicPr>
+        <p:blipFill>
+          <a:blip r:embed="rId2">
+            <a:extLst>
+              <a:ext uri="{28A0092B-C50C-407E-A947-70E740481C1C}">
+                <a14:useLocalDpi xmlns:a14="http://schemas.microsoft.com/office/drawing/2010/main" val="0"/>
+              </a:ext>
+            </a:extLst>
+          </a:blip>
+          <a:stretch>
+            <a:fillRect/>
+          </a:stretch>
+        </p:blipFill>
+        <p:spPr>
+          <a:xfrm>
+            <a:off x="2728101" y="1525963"/>
+            <a:ext cx="7199670" cy="4651000"/>
+          </a:xfrm>
+        </p:spPr>
+      </p:pic>
+    </p:spTree>
+    <p:extLst>
+      <p:ext uri="{BB962C8B-B14F-4D97-AF65-F5344CB8AC3E}">
+        <p14:creationId xmlns:p14="http://schemas.microsoft.com/office/powerpoint/2010/main" val="2669042252"/>
+      </p:ext>
+    </p:extLst>
+  </p:cSld>
+  <p:clrMapOvr>
+    <a:masterClrMapping/>
+  </p:clrMapOvr>
+  <p:timing>
+    <p:tnLst>
+      <p:par>
+        <p:cTn id="1" dur="indefinite" restart="never" nodeType="tmRoot"/>
+      </p:par>
+    </p:tnLst>
+  </p:timing>
+</p:sld>
+</file>
+
+<file path=ppt/slides/slide13.xml><?xml version="1.0" encoding="utf-8"?>
+<p:sld xmlns:a="http://schemas.openxmlformats.org/drawingml/2006/main" xmlns:r="http://schemas.openxmlformats.org/officeDocument/2006/relationships" xmlns:p="http://schemas.openxmlformats.org/presentationml/2006/main">
+  <p:cSld>
+    <p:spTree>
+      <p:nvGrpSpPr>
+        <p:cNvPr id="1" name=""/>
+        <p:cNvGrpSpPr/>
+        <p:nvPr/>
+      </p:nvGrpSpPr>
+      <p:grpSpPr>
+        <a:xfrm>
+          <a:off x="0" y="0"/>
+          <a:ext cx="0" cy="0"/>
+          <a:chOff x="0" y="0"/>
+          <a:chExt cx="0" cy="0"/>
+        </a:xfrm>
+      </p:grpSpPr>
+      <p:sp>
+        <p:nvSpPr>
+          <p:cNvPr id="2" name="Title 1"/>
+          <p:cNvSpPr>
+            <a:spLocks noGrp="1"/>
+          </p:cNvSpPr>
+          <p:nvPr>
+            <p:ph type="title"/>
+          </p:nvPr>
+        </p:nvSpPr>
+        <p:spPr/>
+        <p:txBody>
+          <a:bodyPr/>
+          <a:lstStyle/>
+          <a:p>
+            <a:r>
+              <a:rPr lang="en-US" dirty="0" smtClean="0"/>
+              <a:t>BMI Calculator</a:t>
+            </a:r>
             <a:endParaRPr lang="en-US" dirty="0"/>
           </a:p>
         </p:txBody>
       </p:sp>
+      <p:pic>
+        <p:nvPicPr>
+          <p:cNvPr id="5" name="Content Placeholder 4"/>
+          <p:cNvPicPr>
+            <a:picLocks noGrp="1" noChangeAspect="1"/>
+          </p:cNvPicPr>
+          <p:nvPr>
+            <p:ph idx="1"/>
+          </p:nvPr>
+        </p:nvPicPr>
+        <p:blipFill>
+          <a:blip r:embed="rId2"/>
+          <a:stretch>
+            <a:fillRect/>
+          </a:stretch>
+        </p:blipFill>
+        <p:spPr>
+          <a:xfrm>
+            <a:off x="2283536" y="1825625"/>
+            <a:ext cx="7624927" cy="4351338"/>
+          </a:xfrm>
+          <a:prstGeom prst="rect">
+            <a:avLst/>
+          </a:prstGeom>
+        </p:spPr>
+      </p:pic>
+    </p:spTree>
+    <p:extLst>
+      <p:ext uri="{BB962C8B-B14F-4D97-AF65-F5344CB8AC3E}">
+        <p14:creationId xmlns:p14="http://schemas.microsoft.com/office/powerpoint/2010/main" val="705116111"/>
+      </p:ext>
+    </p:extLst>
+  </p:cSld>
+  <p:clrMapOvr>
+    <a:masterClrMapping/>
+  </p:clrMapOvr>
+  <p:timing>
+    <p:tnLst>
+      <p:par>
+        <p:cTn id="1" dur="indefinite" restart="never" nodeType="tmRoot"/>
+      </p:par>
+    </p:tnLst>
+  </p:timing>
+</p:sld>
+</file>
+
+<file path=ppt/slides/slide14.xml><?xml version="1.0" encoding="utf-8"?>
+<p:sld xmlns:a="http://schemas.openxmlformats.org/drawingml/2006/main" xmlns:r="http://schemas.openxmlformats.org/officeDocument/2006/relationships" xmlns:p="http://schemas.openxmlformats.org/presentationml/2006/main">
+  <p:cSld>
+    <p:spTree>
+      <p:nvGrpSpPr>
+        <p:cNvPr id="1" name=""/>
+        <p:cNvGrpSpPr/>
+        <p:nvPr/>
+      </p:nvGrpSpPr>
+      <p:grpSpPr>
+        <a:xfrm>
+          <a:off x="0" y="0"/>
+          <a:ext cx="0" cy="0"/>
+          <a:chOff x="0" y="0"/>
+          <a:chExt cx="0" cy="0"/>
+        </a:xfrm>
+      </p:grpSpPr>
+      <p:sp>
+        <p:nvSpPr>
+          <p:cNvPr id="2" name="Title 1"/>
+          <p:cNvSpPr>
+            <a:spLocks noGrp="1"/>
+          </p:cNvSpPr>
+          <p:nvPr>
+            <p:ph type="title"/>
+          </p:nvPr>
+        </p:nvSpPr>
+        <p:spPr/>
+        <p:txBody>
+          <a:bodyPr/>
+          <a:lstStyle/>
+          <a:p>
+            <a:r>
+              <a:rPr lang="en-US" dirty="0" smtClean="0"/>
+              <a:t>Calorie Counter</a:t>
+            </a:r>
+            <a:endParaRPr lang="en-US" dirty="0"/>
+          </a:p>
+        </p:txBody>
+      </p:sp>
+      <p:pic>
+        <p:nvPicPr>
+          <p:cNvPr id="4" name="Content Placeholder 3"/>
+          <p:cNvPicPr>
+            <a:picLocks noGrp="1" noChangeAspect="1"/>
+          </p:cNvPicPr>
+          <p:nvPr>
+            <p:ph idx="1"/>
+          </p:nvPr>
+        </p:nvPicPr>
+        <p:blipFill>
+          <a:blip r:embed="rId2">
+            <a:extLst>
+              <a:ext uri="{28A0092B-C50C-407E-A947-70E740481C1C}">
+                <a14:useLocalDpi xmlns:a14="http://schemas.microsoft.com/office/drawing/2010/main" val="0"/>
+              </a:ext>
+            </a:extLst>
+          </a:blip>
+          <a:stretch>
+            <a:fillRect/>
+          </a:stretch>
+        </p:blipFill>
+        <p:spPr>
+          <a:xfrm>
+            <a:off x="2743201" y="1690688"/>
+            <a:ext cx="7080803" cy="4754063"/>
+          </a:xfrm>
+        </p:spPr>
+      </p:pic>
+    </p:spTree>
+    <p:extLst>
+      <p:ext uri="{BB962C8B-B14F-4D97-AF65-F5344CB8AC3E}">
+        <p14:creationId xmlns:p14="http://schemas.microsoft.com/office/powerpoint/2010/main" val="3538044932"/>
+      </p:ext>
+    </p:extLst>
+  </p:cSld>
+  <p:clrMapOvr>
+    <a:masterClrMapping/>
+  </p:clrMapOvr>
+  <p:timing>
+    <p:tnLst>
+      <p:par>
+        <p:cTn id="1" dur="indefinite" restart="never" nodeType="tmRoot"/>
+      </p:par>
+    </p:tnLst>
+  </p:timing>
+</p:sld>
+</file>
+
+<file path=ppt/slides/slide15.xml><?xml version="1.0" encoding="utf-8"?>
+<p:sld xmlns:a="http://schemas.openxmlformats.org/drawingml/2006/main" xmlns:r="http://schemas.openxmlformats.org/officeDocument/2006/relationships" xmlns:p="http://schemas.openxmlformats.org/presentationml/2006/main">
+  <p:cSld>
+    <p:spTree>
+      <p:nvGrpSpPr>
+        <p:cNvPr id="1" name=""/>
+        <p:cNvGrpSpPr/>
+        <p:nvPr/>
+      </p:nvGrpSpPr>
+      <p:grpSpPr>
+        <a:xfrm>
+          <a:off x="0" y="0"/>
+          <a:ext cx="0" cy="0"/>
+          <a:chOff x="0" y="0"/>
+          <a:chExt cx="0" cy="0"/>
+        </a:xfrm>
+      </p:grpSpPr>
+      <p:sp>
+        <p:nvSpPr>
+          <p:cNvPr id="2" name="Title 1"/>
+          <p:cNvSpPr>
+            <a:spLocks noGrp="1"/>
+          </p:cNvSpPr>
+          <p:nvPr>
+            <p:ph type="title"/>
+          </p:nvPr>
+        </p:nvSpPr>
+        <p:spPr/>
+        <p:txBody>
+          <a:bodyPr/>
+          <a:lstStyle/>
+          <a:p>
+            <a:r>
+              <a:rPr lang="en-US" dirty="0" smtClean="0"/>
+              <a:t>Diet Habit Measure</a:t>
+            </a:r>
+            <a:endParaRPr lang="en-US" dirty="0"/>
+          </a:p>
+        </p:txBody>
+      </p:sp>
+      <p:pic>
+        <p:nvPicPr>
+          <p:cNvPr id="4" name="Content Placeholder 3"/>
+          <p:cNvPicPr>
+            <a:picLocks noGrp="1" noChangeAspect="1"/>
+          </p:cNvPicPr>
+          <p:nvPr>
+            <p:ph idx="1"/>
+          </p:nvPr>
+        </p:nvPicPr>
+        <p:blipFill>
+          <a:blip r:embed="rId2">
+            <a:extLst>
+              <a:ext uri="{28A0092B-C50C-407E-A947-70E740481C1C}">
+                <a14:useLocalDpi xmlns:a14="http://schemas.microsoft.com/office/drawing/2010/main" val="0"/>
+              </a:ext>
+            </a:extLst>
+          </a:blip>
+          <a:stretch>
+            <a:fillRect/>
+          </a:stretch>
+        </p:blipFill>
+        <p:spPr>
+          <a:xfrm>
+            <a:off x="6609608" y="1690688"/>
+            <a:ext cx="5399920" cy="4351338"/>
+          </a:xfrm>
+        </p:spPr>
+      </p:pic>
+      <p:pic>
+        <p:nvPicPr>
+          <p:cNvPr id="5" name="Picture 4"/>
+          <p:cNvPicPr>
+            <a:picLocks noChangeAspect="1"/>
+          </p:cNvPicPr>
+          <p:nvPr/>
+        </p:nvPicPr>
+        <p:blipFill>
+          <a:blip r:embed="rId3">
+            <a:extLst>
+              <a:ext uri="{28A0092B-C50C-407E-A947-70E740481C1C}">
+                <a14:useLocalDpi xmlns:a14="http://schemas.microsoft.com/office/drawing/2010/main" val="0"/>
+              </a:ext>
+            </a:extLst>
+          </a:blip>
+          <a:stretch>
+            <a:fillRect/>
+          </a:stretch>
+        </p:blipFill>
+        <p:spPr>
+          <a:xfrm>
+            <a:off x="182472" y="1690688"/>
+            <a:ext cx="6310451" cy="4246256"/>
+          </a:xfrm>
+          <a:prstGeom prst="rect">
+            <a:avLst/>
+          </a:prstGeom>
+        </p:spPr>
+      </p:pic>
+    </p:spTree>
+    <p:extLst>
+      <p:ext uri="{BB962C8B-B14F-4D97-AF65-F5344CB8AC3E}">
+        <p14:creationId xmlns:p14="http://schemas.microsoft.com/office/powerpoint/2010/main" val="3349564370"/>
+      </p:ext>
+    </p:extLst>
+  </p:cSld>
+  <p:clrMapOvr>
+    <a:masterClrMapping/>
+  </p:clrMapOvr>
+  <p:timing>
+    <p:tnLst>
+      <p:par>
+        <p:cTn id="1" dur="indefinite" restart="never" nodeType="tmRoot"/>
+      </p:par>
+    </p:tnLst>
+  </p:timing>
+</p:sld>
+</file>
+
+<file path=ppt/slides/slide16.xml><?xml version="1.0" encoding="utf-8"?>
+<p:sld xmlns:a="http://schemas.openxmlformats.org/drawingml/2006/main" xmlns:r="http://schemas.openxmlformats.org/officeDocument/2006/relationships" xmlns:p="http://schemas.openxmlformats.org/presentationml/2006/main">
+  <p:cSld>
+    <p:spTree>
+      <p:nvGrpSpPr>
+        <p:cNvPr id="1" name=""/>
+        <p:cNvGrpSpPr/>
+        <p:nvPr/>
+      </p:nvGrpSpPr>
+      <p:grpSpPr>
+        <a:xfrm>
+          <a:off x="0" y="0"/>
+          <a:ext cx="0" cy="0"/>
+          <a:chOff x="0" y="0"/>
+          <a:chExt cx="0" cy="0"/>
+        </a:xfrm>
+      </p:grpSpPr>
+      <p:sp>
+        <p:nvSpPr>
+          <p:cNvPr id="2" name="Title 1"/>
+          <p:cNvSpPr>
+            <a:spLocks noGrp="1"/>
+          </p:cNvSpPr>
+          <p:nvPr>
+            <p:ph type="title"/>
+          </p:nvPr>
+        </p:nvSpPr>
+        <p:spPr>
+          <a:xfrm>
+            <a:off x="766948" y="91993"/>
+            <a:ext cx="10122725" cy="1126621"/>
+          </a:xfrm>
+        </p:spPr>
+        <p:txBody>
+          <a:bodyPr/>
+          <a:lstStyle/>
+          <a:p>
+            <a:r>
+              <a:rPr lang="en-US" dirty="0" smtClean="0"/>
+              <a:t>Product Pages</a:t>
+            </a:r>
+            <a:endParaRPr lang="en-US" dirty="0"/>
+          </a:p>
+        </p:txBody>
+      </p:sp>
+      <p:pic>
+        <p:nvPicPr>
+          <p:cNvPr id="4" name="Content Placeholder 3"/>
+          <p:cNvPicPr>
+            <a:picLocks noGrp="1" noChangeAspect="1"/>
+          </p:cNvPicPr>
+          <p:nvPr>
+            <p:ph idx="1"/>
+          </p:nvPr>
+        </p:nvPicPr>
+        <p:blipFill>
+          <a:blip r:embed="rId2">
+            <a:extLst>
+              <a:ext uri="{28A0092B-C50C-407E-A947-70E740481C1C}">
+                <a14:useLocalDpi xmlns:a14="http://schemas.microsoft.com/office/drawing/2010/main" val="0"/>
+              </a:ext>
+            </a:extLst>
+          </a:blip>
+          <a:stretch>
+            <a:fillRect/>
+          </a:stretch>
+        </p:blipFill>
+        <p:spPr>
+          <a:xfrm>
+            <a:off x="977819" y="1040484"/>
+            <a:ext cx="7738668" cy="5174571"/>
+          </a:xfrm>
+        </p:spPr>
+      </p:pic>
+    </p:spTree>
+    <p:extLst>
+      <p:ext uri="{BB962C8B-B14F-4D97-AF65-F5344CB8AC3E}">
+        <p14:creationId xmlns:p14="http://schemas.microsoft.com/office/powerpoint/2010/main" val="1547115031"/>
+      </p:ext>
+    </p:extLst>
+  </p:cSld>
+  <p:clrMapOvr>
+    <a:masterClrMapping/>
+  </p:clrMapOvr>
+  <p:timing>
+    <p:tnLst>
+      <p:par>
+        <p:cTn id="1" dur="indefinite" restart="never" nodeType="tmRoot"/>
+      </p:par>
+    </p:tnLst>
+  </p:timing>
+</p:sld>
+</file>
+
+<file path=ppt/slides/slide17.xml><?xml version="1.0" encoding="utf-8"?>
+<p:sld xmlns:a="http://schemas.openxmlformats.org/drawingml/2006/main" xmlns:r="http://schemas.openxmlformats.org/officeDocument/2006/relationships" xmlns:p="http://schemas.openxmlformats.org/presentationml/2006/main">
+  <p:cSld>
+    <p:spTree>
+      <p:nvGrpSpPr>
+        <p:cNvPr id="1" name=""/>
+        <p:cNvGrpSpPr/>
+        <p:nvPr/>
+      </p:nvGrpSpPr>
+      <p:grpSpPr>
+        <a:xfrm>
+          <a:off x="0" y="0"/>
+          <a:ext cx="0" cy="0"/>
+          <a:chOff x="0" y="0"/>
+          <a:chExt cx="0" cy="0"/>
+        </a:xfrm>
+      </p:grpSpPr>
+      <p:sp>
+        <p:nvSpPr>
+          <p:cNvPr id="2" name="Title 1"/>
+          <p:cNvSpPr>
+            <a:spLocks noGrp="1"/>
+          </p:cNvSpPr>
+          <p:nvPr>
+            <p:ph type="title"/>
+          </p:nvPr>
+        </p:nvSpPr>
+        <p:spPr/>
+        <p:txBody>
+          <a:bodyPr/>
+          <a:lstStyle/>
+          <a:p>
+            <a:r>
+              <a:rPr lang="en-US" dirty="0" smtClean="0"/>
+              <a:t>Website function: </a:t>
+            </a:r>
+            <a:r>
+              <a:rPr lang="en-US" dirty="0"/>
+              <a:t>S</a:t>
+            </a:r>
+            <a:r>
+              <a:rPr lang="en-US" dirty="0" smtClean="0"/>
+              <a:t>hopping / products</a:t>
+            </a:r>
+            <a:endParaRPr lang="en-US" dirty="0"/>
+          </a:p>
+        </p:txBody>
+      </p:sp>
+      <p:pic>
+        <p:nvPicPr>
+          <p:cNvPr id="7" name="Content Placeholder 6"/>
+          <p:cNvPicPr>
+            <a:picLocks noGrp="1" noChangeAspect="1"/>
+          </p:cNvPicPr>
+          <p:nvPr>
+            <p:ph idx="1"/>
+          </p:nvPr>
+        </p:nvPicPr>
+        <p:blipFill>
+          <a:blip r:embed="rId2"/>
+          <a:stretch>
+            <a:fillRect/>
+          </a:stretch>
+        </p:blipFill>
+        <p:spPr>
+          <a:xfrm>
+            <a:off x="6096000" y="3296469"/>
+            <a:ext cx="4248743" cy="1228896"/>
+          </a:xfrm>
+          <a:prstGeom prst="rect">
+            <a:avLst/>
+          </a:prstGeom>
+        </p:spPr>
+      </p:pic>
       <p:pic>
         <p:nvPicPr>
           <p:cNvPr id="4" name="Picture 3"/>
@@ -3452,6 +3972,206 @@
           <p:nvPr/>
         </p:nvPicPr>
         <p:blipFill>
+          <a:blip r:embed="rId3"/>
+          <a:stretch>
+            <a:fillRect/>
+          </a:stretch>
+        </p:blipFill>
+        <p:spPr>
+          <a:xfrm>
+            <a:off x="911772" y="1690688"/>
+            <a:ext cx="2962688" cy="4239217"/>
+          </a:xfrm>
+          <a:prstGeom prst="rect">
+            <a:avLst/>
+          </a:prstGeom>
+        </p:spPr>
+      </p:pic>
+      <p:cxnSp>
+        <p:nvCxnSpPr>
+          <p:cNvPr id="6" name="Straight Arrow Connector 5"/>
+          <p:cNvCxnSpPr/>
+          <p:nvPr/>
+        </p:nvCxnSpPr>
+        <p:spPr>
+          <a:xfrm flipH="1">
+            <a:off x="3132083" y="4908331"/>
+            <a:ext cx="588579" cy="525518"/>
+          </a:xfrm>
+          <a:prstGeom prst="straightConnector1">
+            <a:avLst/>
+          </a:prstGeom>
+          <a:ln w="76200">
+            <a:tailEnd type="triangle"/>
+          </a:ln>
+        </p:spPr>
+        <p:style>
+          <a:lnRef idx="1">
+            <a:schemeClr val="accent1"/>
+          </a:lnRef>
+          <a:fillRef idx="0">
+            <a:schemeClr val="accent1"/>
+          </a:fillRef>
+          <a:effectRef idx="0">
+            <a:schemeClr val="accent1"/>
+          </a:effectRef>
+          <a:fontRef idx="minor">
+            <a:schemeClr val="tx1"/>
+          </a:fontRef>
+        </p:style>
+      </p:cxnSp>
+      <p:pic>
+        <p:nvPicPr>
+          <p:cNvPr id="8" name="Picture 7"/>
+          <p:cNvPicPr>
+            <a:picLocks noChangeAspect="1"/>
+          </p:cNvPicPr>
+          <p:nvPr/>
+        </p:nvPicPr>
+        <p:blipFill>
+          <a:blip r:embed="rId4"/>
+          <a:stretch>
+            <a:fillRect/>
+          </a:stretch>
+        </p:blipFill>
+        <p:spPr>
+          <a:xfrm>
+            <a:off x="4157221" y="2130835"/>
+            <a:ext cx="7706012" cy="725487"/>
+          </a:xfrm>
+          <a:prstGeom prst="rect">
+            <a:avLst/>
+          </a:prstGeom>
+        </p:spPr>
+      </p:pic>
+      <p:cxnSp>
+        <p:nvCxnSpPr>
+          <p:cNvPr id="10" name="Straight Arrow Connector 9"/>
+          <p:cNvCxnSpPr/>
+          <p:nvPr/>
+        </p:nvCxnSpPr>
+        <p:spPr>
+          <a:xfrm>
+            <a:off x="9080938" y="2291255"/>
+            <a:ext cx="651641" cy="202323"/>
+          </a:xfrm>
+          <a:prstGeom prst="straightConnector1">
+            <a:avLst/>
+          </a:prstGeom>
+          <a:ln w="76200">
+            <a:tailEnd type="triangle"/>
+          </a:ln>
+        </p:spPr>
+        <p:style>
+          <a:lnRef idx="1">
+            <a:schemeClr val="accent1"/>
+          </a:lnRef>
+          <a:fillRef idx="0">
+            <a:schemeClr val="accent1"/>
+          </a:fillRef>
+          <a:effectRef idx="0">
+            <a:schemeClr val="accent1"/>
+          </a:effectRef>
+          <a:fontRef idx="minor">
+            <a:schemeClr val="tx1"/>
+          </a:fontRef>
+        </p:style>
+      </p:cxnSp>
+      <p:pic>
+        <p:nvPicPr>
+          <p:cNvPr id="3" name="Picture 2"/>
+          <p:cNvPicPr>
+            <a:picLocks noChangeAspect="1"/>
+          </p:cNvPicPr>
+          <p:nvPr/>
+        </p:nvPicPr>
+        <p:blipFill>
+          <a:blip r:embed="rId5"/>
+          <a:stretch>
+            <a:fillRect/>
+          </a:stretch>
+        </p:blipFill>
+        <p:spPr>
+          <a:xfrm>
+            <a:off x="1257300" y="6142056"/>
+            <a:ext cx="10096500" cy="676275"/>
+          </a:xfrm>
+          <a:prstGeom prst="rect">
+            <a:avLst/>
+          </a:prstGeom>
+        </p:spPr>
+      </p:pic>
+    </p:spTree>
+    <p:extLst>
+      <p:ext uri="{BB962C8B-B14F-4D97-AF65-F5344CB8AC3E}">
+        <p14:creationId xmlns:p14="http://schemas.microsoft.com/office/powerpoint/2010/main" val="1016140002"/>
+      </p:ext>
+    </p:extLst>
+  </p:cSld>
+  <p:clrMapOvr>
+    <a:masterClrMapping/>
+  </p:clrMapOvr>
+  <p:timing>
+    <p:tnLst>
+      <p:par>
+        <p:cTn id="1" dur="indefinite" restart="never" nodeType="tmRoot"/>
+      </p:par>
+    </p:tnLst>
+  </p:timing>
+</p:sld>
+</file>
+
+<file path=ppt/slides/slide18.xml><?xml version="1.0" encoding="utf-8"?>
+<p:sld xmlns:a="http://schemas.openxmlformats.org/drawingml/2006/main" xmlns:r="http://schemas.openxmlformats.org/officeDocument/2006/relationships" xmlns:p="http://schemas.openxmlformats.org/presentationml/2006/main">
+  <p:cSld>
+    <p:spTree>
+      <p:nvGrpSpPr>
+        <p:cNvPr id="1" name=""/>
+        <p:cNvGrpSpPr/>
+        <p:nvPr/>
+      </p:nvGrpSpPr>
+      <p:grpSpPr>
+        <a:xfrm>
+          <a:off x="0" y="0"/>
+          <a:ext cx="0" cy="0"/>
+          <a:chOff x="0" y="0"/>
+          <a:chExt cx="0" cy="0"/>
+        </a:xfrm>
+      </p:grpSpPr>
+      <p:sp>
+        <p:nvSpPr>
+          <p:cNvPr id="2" name="Title 1"/>
+          <p:cNvSpPr>
+            <a:spLocks noGrp="1"/>
+          </p:cNvSpPr>
+          <p:nvPr>
+            <p:ph type="title"/>
+          </p:nvPr>
+        </p:nvSpPr>
+        <p:spPr/>
+        <p:txBody>
+          <a:bodyPr/>
+          <a:lstStyle/>
+          <a:p>
+            <a:r>
+              <a:rPr lang="en-US" dirty="0" smtClean="0"/>
+              <a:t>Website function: contact list</a:t>
+            </a:r>
+            <a:endParaRPr lang="en-US" dirty="0"/>
+          </a:p>
+        </p:txBody>
+      </p:sp>
+      <p:pic>
+        <p:nvPicPr>
+          <p:cNvPr id="6" name="Content Placeholder 5"/>
+          <p:cNvPicPr>
+            <a:picLocks noGrp="1" noChangeAspect="1"/>
+          </p:cNvPicPr>
+          <p:nvPr>
+            <p:ph idx="1"/>
+          </p:nvPr>
+        </p:nvPicPr>
+        <p:blipFill>
           <a:blip r:embed="rId2"/>
           <a:stretch>
             <a:fillRect/>
@@ -3459,8 +4179,32 @@
         </p:blipFill>
         <p:spPr>
           <a:xfrm>
-            <a:off x="2382778" y="0"/>
-            <a:ext cx="7426444" cy="6858000"/>
+            <a:off x="7034541" y="2291280"/>
+            <a:ext cx="4429125" cy="3676650"/>
+          </a:xfrm>
+          <a:prstGeom prst="rect">
+            <a:avLst/>
+          </a:prstGeom>
+        </p:spPr>
+      </p:pic>
+      <p:pic>
+        <p:nvPicPr>
+          <p:cNvPr id="4" name="Picture 3"/>
+          <p:cNvPicPr>
+            <a:picLocks noChangeAspect="1"/>
+          </p:cNvPicPr>
+          <p:nvPr/>
+        </p:nvPicPr>
+        <p:blipFill>
+          <a:blip r:embed="rId3"/>
+          <a:stretch>
+            <a:fillRect/>
+          </a:stretch>
+        </p:blipFill>
+        <p:spPr>
+          <a:xfrm>
+            <a:off x="838200" y="1317132"/>
+            <a:ext cx="5927324" cy="5456790"/>
           </a:xfrm>
           <a:prstGeom prst="rect">
             <a:avLst/>
@@ -3470,7 +4214,7 @@
     </p:spTree>
     <p:extLst>
       <p:ext uri="{BB962C8B-B14F-4D97-AF65-F5344CB8AC3E}">
-        <p14:creationId xmlns:p14="http://schemas.microsoft.com/office/powerpoint/2010/main" val="2632522287"/>
+        <p14:creationId xmlns:p14="http://schemas.microsoft.com/office/powerpoint/2010/main" val="3257646881"/>
       </p:ext>
     </p:extLst>
   </p:cSld>
@@ -3490,6 +4234,14 @@
 <file path=ppt/slides/slide2.xml><?xml version="1.0" encoding="utf-8"?>
 <p:sld xmlns:a="http://schemas.openxmlformats.org/drawingml/2006/main" xmlns:r="http://schemas.openxmlformats.org/officeDocument/2006/relationships" xmlns:p="http://schemas.openxmlformats.org/presentationml/2006/main">
   <p:cSld>
+    <p:bg>
+      <p:bgPr>
+        <a:solidFill>
+          <a:schemeClr val="bg1"/>
+        </a:solidFill>
+        <a:effectLst/>
+      </p:bgPr>
+    </p:bg>
     <p:spTree>
       <p:nvGrpSpPr>
         <p:cNvPr id="1" name=""/>
@@ -3556,16 +4308,42 @@
           <a:p>
             <a:r>
               <a:rPr lang="en-US" dirty="0" smtClean="0"/>
-              <a:t>Technology used: HTML5, CSS3, </a:t>
-            </a:r>
-            <a:r>
-              <a:rPr lang="en-US" dirty="0" smtClean="0"/>
-              <a:t>JavaScript</a:t>
+              <a:t>Technology used: HTML5, CSS3, JavaScript</a:t>
             </a:r>
             <a:endParaRPr lang="en-US" dirty="0"/>
           </a:p>
         </p:txBody>
       </p:sp>
+      <p:pic>
+        <p:nvPicPr>
+          <p:cNvPr id="5" name="Picture 4"/>
+          <p:cNvPicPr>
+            <a:picLocks noChangeAspect="1"/>
+          </p:cNvPicPr>
+          <p:nvPr/>
+        </p:nvPicPr>
+        <p:blipFill>
+          <a:blip r:embed="rId2">
+            <a:extLst>
+              <a:ext uri="{28A0092B-C50C-407E-A947-70E740481C1C}">
+                <a14:useLocalDpi xmlns:a14="http://schemas.microsoft.com/office/drawing/2010/main" val="0"/>
+              </a:ext>
+            </a:extLst>
+          </a:blip>
+          <a:stretch>
+            <a:fillRect/>
+          </a:stretch>
+        </p:blipFill>
+        <p:spPr>
+          <a:xfrm>
+            <a:off x="6316703" y="3424846"/>
+            <a:ext cx="5530157" cy="3244895"/>
+          </a:xfrm>
+          <a:prstGeom prst="rect">
+            <a:avLst/>
+          </a:prstGeom>
+        </p:spPr>
+      </p:pic>
     </p:spTree>
     <p:extLst>
       <p:ext uri="{BB962C8B-B14F-4D97-AF65-F5344CB8AC3E}">
@@ -4019,7 +4797,7 @@
           <a:p>
             <a:r>
               <a:rPr lang="en-US" dirty="0" smtClean="0"/>
-              <a:t>Home page animation</a:t>
+              <a:t>Logo</a:t>
             </a:r>
             <a:endParaRPr lang="en-US" dirty="0"/>
           </a:p>
@@ -4035,23 +4813,98 @@
             <p:ph idx="1"/>
           </p:nvPr>
         </p:nvSpPr>
-        <p:spPr/>
+        <p:spPr>
+          <a:xfrm>
+            <a:off x="838200" y="1825625"/>
+            <a:ext cx="10515600" cy="4351338"/>
+          </a:xfrm>
+        </p:spPr>
         <p:txBody>
           <a:bodyPr/>
           <a:lstStyle/>
           <a:p>
             <a:r>
               <a:rPr lang="en-US" dirty="0" smtClean="0"/>
-              <a:t>AOS library is being used</a:t>
+              <a:t>Logo match with our font-colors in website</a:t>
+            </a:r>
+          </a:p>
+          <a:p>
+            <a:pPr marL="0" indent="0">
+              <a:buNone/>
+            </a:pPr>
+            <a:r>
+              <a:rPr lang="en-US" dirty="0"/>
+              <a:t> </a:t>
+            </a:r>
+            <a:r>
+              <a:rPr lang="en-US" dirty="0" smtClean="0"/>
+              <a:t>  “Health” --green-1</a:t>
+            </a:r>
+          </a:p>
+          <a:p>
+            <a:pPr marL="0" indent="0">
+              <a:buNone/>
+            </a:pPr>
+            <a:r>
+              <a:rPr lang="en-US" dirty="0" smtClean="0"/>
+              <a:t>   “Wizard” --black-1</a:t>
+            </a:r>
+          </a:p>
+          <a:p>
+            <a:pPr marL="0" indent="0">
+              <a:buNone/>
+            </a:pPr>
+            <a:endParaRPr lang="en-US" dirty="0" smtClean="0"/>
+          </a:p>
+          <a:p>
+            <a:r>
+              <a:rPr lang="en-US" dirty="0" smtClean="0"/>
+              <a:t>Make whole website color more consistency</a:t>
             </a:r>
             <a:endParaRPr lang="en-US" dirty="0"/>
           </a:p>
-        </p:txBody>
-      </p:sp>
+          <a:p>
+            <a:pPr marL="0" indent="0">
+              <a:buNone/>
+            </a:pPr>
+            <a:endParaRPr lang="en-US" dirty="0"/>
+          </a:p>
+        </p:txBody>
+      </p:sp>
+      <p:pic>
+        <p:nvPicPr>
+          <p:cNvPr id="6" name="Picture 5"/>
+          <p:cNvPicPr>
+            <a:picLocks noChangeAspect="1"/>
+          </p:cNvPicPr>
+          <p:nvPr/>
+        </p:nvPicPr>
+        <p:blipFill>
+          <a:blip r:embed="rId2" cstate="print">
+            <a:extLst>
+              <a:ext uri="{28A0092B-C50C-407E-A947-70E740481C1C}">
+                <a14:useLocalDpi xmlns:a14="http://schemas.microsoft.com/office/drawing/2010/main" val="0"/>
+              </a:ext>
+            </a:extLst>
+          </a:blip>
+          <a:stretch>
+            <a:fillRect/>
+          </a:stretch>
+        </p:blipFill>
+        <p:spPr>
+          <a:xfrm>
+            <a:off x="7874095" y="1928194"/>
+            <a:ext cx="3479705" cy="1913278"/>
+          </a:xfrm>
+          <a:prstGeom prst="rect">
+            <a:avLst/>
+          </a:prstGeom>
+        </p:spPr>
+      </p:pic>
     </p:spTree>
     <p:extLst>
       <p:ext uri="{BB962C8B-B14F-4D97-AF65-F5344CB8AC3E}">
-        <p14:creationId xmlns:p14="http://schemas.microsoft.com/office/powerpoint/2010/main" val="1098839579"/>
+        <p14:creationId xmlns:p14="http://schemas.microsoft.com/office/powerpoint/2010/main" val="647205291"/>
       </p:ext>
     </p:extLst>
   </p:cSld>
@@ -4102,59 +4955,45 @@
           <a:p>
             <a:r>
               <a:rPr lang="en-US" dirty="0" smtClean="0"/>
-              <a:t>Why not bootstrap</a:t>
+              <a:t>UML</a:t>
             </a:r>
             <a:endParaRPr lang="en-US" dirty="0"/>
           </a:p>
         </p:txBody>
       </p:sp>
-      <p:sp>
-        <p:nvSpPr>
-          <p:cNvPr id="3" name="Content Placeholder 2"/>
-          <p:cNvSpPr>
-            <a:spLocks noGrp="1"/>
-          </p:cNvSpPr>
+      <p:pic>
+        <p:nvPicPr>
+          <p:cNvPr id="5" name="Content Placeholder 4"/>
+          <p:cNvPicPr>
+            <a:picLocks noGrp="1" noChangeAspect="1"/>
+          </p:cNvPicPr>
           <p:nvPr>
             <p:ph idx="1"/>
           </p:nvPr>
-        </p:nvSpPr>
-        <p:spPr/>
-        <p:txBody>
-          <a:bodyPr/>
-          <a:lstStyle/>
-          <a:p>
-            <a:r>
-              <a:rPr lang="en-US" dirty="0" smtClean="0"/>
-              <a:t>Customizable</a:t>
-            </a:r>
-            <a:endParaRPr lang="en-US" dirty="0"/>
-          </a:p>
-          <a:p>
-            <a:r>
-              <a:rPr lang="en-US" dirty="0"/>
-              <a:t>Pre-built components not good </a:t>
-            </a:r>
-            <a:r>
-              <a:rPr lang="en-US" dirty="0" smtClean="0"/>
-              <a:t>looking</a:t>
-            </a:r>
-          </a:p>
-          <a:p>
-            <a:r>
-              <a:rPr lang="en-US" dirty="0"/>
-              <a:t>Pre-built </a:t>
-            </a:r>
-            <a:r>
-              <a:rPr lang="en-US" dirty="0" smtClean="0"/>
-              <a:t>components not satisfy our need</a:t>
-            </a:r>
-          </a:p>
-        </p:txBody>
-      </p:sp>
+        </p:nvPicPr>
+        <p:blipFill>
+          <a:blip r:embed="rId2">
+            <a:extLst>
+              <a:ext uri="{28A0092B-C50C-407E-A947-70E740481C1C}">
+                <a14:useLocalDpi xmlns:a14="http://schemas.microsoft.com/office/drawing/2010/main" val="0"/>
+              </a:ext>
+            </a:extLst>
+          </a:blip>
+          <a:stretch>
+            <a:fillRect/>
+          </a:stretch>
+        </p:blipFill>
+        <p:spPr>
+          <a:xfrm>
+            <a:off x="3230473" y="224334"/>
+            <a:ext cx="6899180" cy="6389059"/>
+          </a:xfrm>
+        </p:spPr>
+      </p:pic>
     </p:spTree>
     <p:extLst>
       <p:ext uri="{BB962C8B-B14F-4D97-AF65-F5344CB8AC3E}">
-        <p14:creationId xmlns:p14="http://schemas.microsoft.com/office/powerpoint/2010/main" val="3483171565"/>
+        <p14:creationId xmlns:p14="http://schemas.microsoft.com/office/powerpoint/2010/main" val="2632522287"/>
       </p:ext>
     </p:extLst>
   </p:cSld>
@@ -4205,7 +5044,37 @@
           <a:p>
             <a:r>
               <a:rPr lang="en-US" dirty="0" smtClean="0"/>
-              <a:t>All about responsive</a:t>
+              <a:t>Home page animation</a:t>
+            </a:r>
+            <a:endParaRPr lang="en-US" dirty="0"/>
+          </a:p>
+        </p:txBody>
+      </p:sp>
+      <p:sp>
+        <p:nvSpPr>
+          <p:cNvPr id="3" name="Content Placeholder 2"/>
+          <p:cNvSpPr>
+            <a:spLocks noGrp="1"/>
+          </p:cNvSpPr>
+          <p:nvPr>
+            <p:ph idx="1"/>
+          </p:nvPr>
+        </p:nvSpPr>
+        <p:spPr/>
+        <p:txBody>
+          <a:bodyPr/>
+          <a:lstStyle/>
+          <a:p>
+            <a:r>
+              <a:rPr lang="en-US" dirty="0" smtClean="0"/>
+              <a:t>AOS library is being used</a:t>
+            </a:r>
+          </a:p>
+          <a:p>
+            <a:pPr lvl="1"/>
+            <a:r>
+              <a:rPr lang="en-US" dirty="0" smtClean="0"/>
+              <a:t>Scroll down and animation appear</a:t>
             </a:r>
             <a:endParaRPr lang="en-US" dirty="0"/>
           </a:p>
@@ -4213,48 +5082,28 @@
       </p:sp>
       <p:pic>
         <p:nvPicPr>
-          <p:cNvPr id="4" name="Content Placeholder 3"/>
-          <p:cNvPicPr>
-            <a:picLocks noGrp="1" noChangeAspect="1"/>
-          </p:cNvPicPr>
-          <p:nvPr>
-            <p:ph idx="1"/>
-          </p:nvPr>
-        </p:nvPicPr>
-        <p:blipFill>
-          <a:blip r:embed="rId2"/>
-          <a:stretch>
-            <a:fillRect/>
-          </a:stretch>
-        </p:blipFill>
-        <p:spPr>
-          <a:xfrm>
-            <a:off x="599676" y="1564564"/>
-            <a:ext cx="7717792" cy="4962360"/>
-          </a:xfrm>
-          <a:prstGeom prst="rect">
-            <a:avLst/>
-          </a:prstGeom>
-        </p:spPr>
-      </p:pic>
-      <p:pic>
-        <p:nvPicPr>
-          <p:cNvPr id="5" name="Picture 4"/>
+          <p:cNvPr id="4" name="Picture 3"/>
           <p:cNvPicPr>
             <a:picLocks noChangeAspect="1"/>
           </p:cNvPicPr>
           <p:nvPr/>
         </p:nvPicPr>
         <p:blipFill>
-          <a:blip r:embed="rId3"/>
+          <a:blip r:embed="rId2">
+            <a:extLst>
+              <a:ext uri="{28A0092B-C50C-407E-A947-70E740481C1C}">
+                <a14:useLocalDpi xmlns:a14="http://schemas.microsoft.com/office/drawing/2010/main" val="0"/>
+              </a:ext>
+            </a:extLst>
+          </a:blip>
           <a:stretch>
             <a:fillRect/>
           </a:stretch>
         </p:blipFill>
         <p:spPr>
           <a:xfrm>
-            <a:off x="8866898" y="714704"/>
-            <a:ext cx="3020302" cy="5959195"/>
+            <a:off x="6994566" y="2991416"/>
+            <a:ext cx="4335396" cy="2877389"/>
           </a:xfrm>
           <a:prstGeom prst="rect">
             <a:avLst/>
@@ -4264,7 +5113,7 @@
     </p:spTree>
     <p:extLst>
       <p:ext uri="{BB962C8B-B14F-4D97-AF65-F5344CB8AC3E}">
-        <p14:creationId xmlns:p14="http://schemas.microsoft.com/office/powerpoint/2010/main" val="1268129847"/>
+        <p14:creationId xmlns:p14="http://schemas.microsoft.com/office/powerpoint/2010/main" val="1098839579"/>
       </p:ext>
     </p:extLst>
   </p:cSld>
@@ -4314,95 +5163,60 @@
           <a:lstStyle/>
           <a:p>
             <a:r>
-              <a:rPr lang="en-US" dirty="0" err="1" smtClean="0"/>
-              <a:t>Nav</a:t>
-            </a:r>
-            <a:r>
               <a:rPr lang="en-US" dirty="0" smtClean="0"/>
-              <a:t> bar</a:t>
+              <a:t>Why not bootstrap</a:t>
             </a:r>
             <a:endParaRPr lang="en-US" dirty="0"/>
           </a:p>
         </p:txBody>
       </p:sp>
-      <p:pic>
-        <p:nvPicPr>
-          <p:cNvPr id="4" name="Content Placeholder 3"/>
-          <p:cNvPicPr>
-            <a:picLocks noGrp="1" noChangeAspect="1"/>
-          </p:cNvPicPr>
+      <p:sp>
+        <p:nvSpPr>
+          <p:cNvPr id="3" name="Content Placeholder 2"/>
+          <p:cNvSpPr>
+            <a:spLocks noGrp="1"/>
+          </p:cNvSpPr>
           <p:nvPr>
             <p:ph idx="1"/>
           </p:nvPr>
-        </p:nvPicPr>
-        <p:blipFill>
-          <a:blip r:embed="rId2"/>
-          <a:stretch>
-            <a:fillRect/>
-          </a:stretch>
-        </p:blipFill>
-        <p:spPr>
-          <a:xfrm>
-            <a:off x="838200" y="1440825"/>
-            <a:ext cx="10515600" cy="727661"/>
-          </a:xfrm>
-          <a:prstGeom prst="rect">
-            <a:avLst/>
-          </a:prstGeom>
-        </p:spPr>
-      </p:pic>
-      <p:pic>
-        <p:nvPicPr>
-          <p:cNvPr id="5" name="Picture 4"/>
-          <p:cNvPicPr>
-            <a:picLocks noChangeAspect="1"/>
-          </p:cNvPicPr>
-          <p:nvPr/>
-        </p:nvPicPr>
-        <p:blipFill>
-          <a:blip r:embed="rId3"/>
-          <a:stretch>
-            <a:fillRect/>
-          </a:stretch>
-        </p:blipFill>
-        <p:spPr>
-          <a:xfrm>
-            <a:off x="838200" y="2766388"/>
-            <a:ext cx="7706801" cy="724001"/>
-          </a:xfrm>
-          <a:prstGeom prst="rect">
-            <a:avLst/>
-          </a:prstGeom>
-        </p:spPr>
-      </p:pic>
-      <p:pic>
-        <p:nvPicPr>
-          <p:cNvPr id="6" name="Picture 5"/>
-          <p:cNvPicPr>
-            <a:picLocks noChangeAspect="1"/>
-          </p:cNvPicPr>
-          <p:nvPr/>
-        </p:nvPicPr>
-        <p:blipFill>
-          <a:blip r:embed="rId4"/>
-          <a:stretch>
-            <a:fillRect/>
-          </a:stretch>
-        </p:blipFill>
-        <p:spPr>
-          <a:xfrm>
-            <a:off x="9217573" y="2310845"/>
-            <a:ext cx="1734207" cy="4471003"/>
-          </a:xfrm>
-          <a:prstGeom prst="rect">
-            <a:avLst/>
-          </a:prstGeom>
-        </p:spPr>
-      </p:pic>
+        </p:nvSpPr>
+        <p:spPr/>
+        <p:txBody>
+          <a:bodyPr/>
+          <a:lstStyle/>
+          <a:p>
+            <a:r>
+              <a:rPr lang="en-US" dirty="0" smtClean="0"/>
+              <a:t>Customizable</a:t>
+            </a:r>
+            <a:endParaRPr lang="en-US" dirty="0"/>
+          </a:p>
+          <a:p>
+            <a:r>
+              <a:rPr lang="en-US" dirty="0"/>
+              <a:t>Pre-built components not good </a:t>
+            </a:r>
+            <a:r>
+              <a:rPr lang="en-US" dirty="0" smtClean="0"/>
+              <a:t>looking</a:t>
+            </a:r>
+          </a:p>
+          <a:p>
+            <a:r>
+              <a:rPr lang="en-US" dirty="0"/>
+              <a:t>Pre-built </a:t>
+            </a:r>
+            <a:r>
+              <a:rPr lang="en-US" dirty="0" smtClean="0"/>
+              <a:t>components not satisfy our need</a:t>
+            </a:r>
+          </a:p>
+        </p:txBody>
+      </p:sp>
     </p:spTree>
     <p:extLst>
       <p:ext uri="{BB962C8B-B14F-4D97-AF65-F5344CB8AC3E}">
-        <p14:creationId xmlns:p14="http://schemas.microsoft.com/office/powerpoint/2010/main" val="2487633742"/>
+        <p14:creationId xmlns:p14="http://schemas.microsoft.com/office/powerpoint/2010/main" val="3483171565"/>
       </p:ext>
     </p:extLst>
   </p:cSld>
@@ -4453,38 +5267,21 @@
           <a:p>
             <a:r>
               <a:rPr lang="en-US" dirty="0" smtClean="0"/>
-              <a:t>Website function: apps</a:t>
-            </a:r>
-            <a:endParaRPr lang="en-US" dirty="0"/>
-          </a:p>
-        </p:txBody>
-      </p:sp>
-      <p:sp>
-        <p:nvSpPr>
-          <p:cNvPr id="3" name="Content Placeholder 2"/>
-          <p:cNvSpPr>
-            <a:spLocks noGrp="1"/>
-          </p:cNvSpPr>
-          <p:nvPr>
-            <p:ph idx="1"/>
-          </p:nvPr>
-        </p:nvSpPr>
-        <p:spPr/>
-        <p:txBody>
-          <a:bodyPr/>
-          <a:lstStyle/>
-          <a:p>
+              <a:t>All about responsive</a:t>
+            </a:r>
             <a:endParaRPr lang="en-US" dirty="0"/>
           </a:p>
         </p:txBody>
       </p:sp>
       <p:pic>
         <p:nvPicPr>
-          <p:cNvPr id="4" name="Picture 3"/>
+          <p:cNvPr id="4" name="Content Placeholder 3"/>
           <p:cNvPicPr>
-            <a:picLocks noChangeAspect="1"/>
+            <a:picLocks noGrp="1" noChangeAspect="1"/>
           </p:cNvPicPr>
-          <p:nvPr/>
+          <p:nvPr>
+            <p:ph idx="1"/>
+          </p:nvPr>
         </p:nvPicPr>
         <p:blipFill>
           <a:blip r:embed="rId2"/>
@@ -4494,8 +5291,32 @@
         </p:blipFill>
         <p:spPr>
           <a:xfrm>
-            <a:off x="1944580" y="1825625"/>
-            <a:ext cx="8302839" cy="4499341"/>
+            <a:off x="599676" y="1564564"/>
+            <a:ext cx="7717792" cy="4962360"/>
+          </a:xfrm>
+          <a:prstGeom prst="rect">
+            <a:avLst/>
+          </a:prstGeom>
+        </p:spPr>
+      </p:pic>
+      <p:pic>
+        <p:nvPicPr>
+          <p:cNvPr id="5" name="Picture 4"/>
+          <p:cNvPicPr>
+            <a:picLocks noChangeAspect="1"/>
+          </p:cNvPicPr>
+          <p:nvPr/>
+        </p:nvPicPr>
+        <p:blipFill>
+          <a:blip r:embed="rId3"/>
+          <a:stretch>
+            <a:fillRect/>
+          </a:stretch>
+        </p:blipFill>
+        <p:spPr>
+          <a:xfrm>
+            <a:off x="8866898" y="714704"/>
+            <a:ext cx="3020302" cy="5959195"/>
           </a:xfrm>
           <a:prstGeom prst="rect">
             <a:avLst/>
@@ -4505,7 +5326,7 @@
     </p:spTree>
     <p:extLst>
       <p:ext uri="{BB962C8B-B14F-4D97-AF65-F5344CB8AC3E}">
-        <p14:creationId xmlns:p14="http://schemas.microsoft.com/office/powerpoint/2010/main" val="3572579730"/>
+        <p14:creationId xmlns:p14="http://schemas.microsoft.com/office/powerpoint/2010/main" val="1268129847"/>
       </p:ext>
     </p:extLst>
   </p:cSld>
